--- a/powerpoint/Elephants_STS_Kraan.pptx
+++ b/powerpoint/Elephants_STS_Kraan.pptx
@@ -10,12 +10,13 @@
     <p:sldId id="260" r:id="rId4"/>
     <p:sldId id="265" r:id="rId5"/>
     <p:sldId id="261" r:id="rId6"/>
-    <p:sldId id="262" r:id="rId7"/>
-    <p:sldId id="263" r:id="rId8"/>
-    <p:sldId id="270" r:id="rId9"/>
-    <p:sldId id="268" r:id="rId10"/>
-    <p:sldId id="269" r:id="rId11"/>
-    <p:sldId id="267" r:id="rId12"/>
+    <p:sldId id="271" r:id="rId7"/>
+    <p:sldId id="262" r:id="rId8"/>
+    <p:sldId id="263" r:id="rId9"/>
+    <p:sldId id="270" r:id="rId10"/>
+    <p:sldId id="268" r:id="rId11"/>
+    <p:sldId id="269" r:id="rId12"/>
+    <p:sldId id="267" r:id="rId13"/>
   </p:sldIdLst>
   <p:sldSz cx="12192000" cy="6858000"/>
   <p:notesSz cx="6858000" cy="9144000"/>
@@ -114,6 +115,11 @@
       </a:defRPr>
     </a:lvl9pPr>
   </p:defaultTextStyle>
+  <p:extLst>
+    <p:ext uri="{EFAFB233-063F-42B5-8137-9DF3F51BA10A}">
+      <p15:sldGuideLst xmlns:p15="http://schemas.microsoft.com/office/powerpoint/2012/main"/>
+    </p:ext>
+  </p:extLst>
 </p:presentation>
 </file>
 
@@ -268,7 +274,7 @@
           <a:p>
             <a:fld id="{B6D41BCC-AD73-4203-A5A6-E62EB28B0FE6}" type="datetimeFigureOut">
               <a:rPr lang="en-US" smtClean="0"/>
-              <a:t>12/19/2023</a:t>
+              <a:t>12/20/2023</a:t>
             </a:fld>
             <a:endParaRPr lang="en-US"/>
           </a:p>
@@ -476,7 +482,7 @@
           <a:p>
             <a:fld id="{B6D41BCC-AD73-4203-A5A6-E62EB28B0FE6}" type="datetimeFigureOut">
               <a:rPr lang="en-US" smtClean="0"/>
-              <a:t>12/19/2023</a:t>
+              <a:t>12/20/2023</a:t>
             </a:fld>
             <a:endParaRPr lang="en-US"/>
           </a:p>
@@ -684,7 +690,7 @@
           <a:p>
             <a:fld id="{B6D41BCC-AD73-4203-A5A6-E62EB28B0FE6}" type="datetimeFigureOut">
               <a:rPr lang="en-US" smtClean="0"/>
-              <a:t>12/19/2023</a:t>
+              <a:t>12/20/2023</a:t>
             </a:fld>
             <a:endParaRPr lang="en-US"/>
           </a:p>
@@ -882,7 +888,7 @@
           <a:p>
             <a:fld id="{B6D41BCC-AD73-4203-A5A6-E62EB28B0FE6}" type="datetimeFigureOut">
               <a:rPr lang="en-US" smtClean="0"/>
-              <a:t>12/19/2023</a:t>
+              <a:t>12/20/2023</a:t>
             </a:fld>
             <a:endParaRPr lang="en-US"/>
           </a:p>
@@ -1159,7 +1165,7 @@
           <a:p>
             <a:fld id="{B6D41BCC-AD73-4203-A5A6-E62EB28B0FE6}" type="datetimeFigureOut">
               <a:rPr lang="en-US" smtClean="0"/>
-              <a:t>12/19/2023</a:t>
+              <a:t>12/20/2023</a:t>
             </a:fld>
             <a:endParaRPr lang="en-US"/>
           </a:p>
@@ -1429,7 +1435,7 @@
           <a:p>
             <a:fld id="{B6D41BCC-AD73-4203-A5A6-E62EB28B0FE6}" type="datetimeFigureOut">
               <a:rPr lang="en-US" smtClean="0"/>
-              <a:t>12/19/2023</a:t>
+              <a:t>12/20/2023</a:t>
             </a:fld>
             <a:endParaRPr lang="en-US"/>
           </a:p>
@@ -1845,7 +1851,7 @@
           <a:p>
             <a:fld id="{B6D41BCC-AD73-4203-A5A6-E62EB28B0FE6}" type="datetimeFigureOut">
               <a:rPr lang="en-US" smtClean="0"/>
-              <a:t>12/19/2023</a:t>
+              <a:t>12/20/2023</a:t>
             </a:fld>
             <a:endParaRPr lang="en-US"/>
           </a:p>
@@ -1986,7 +1992,7 @@
           <a:p>
             <a:fld id="{B6D41BCC-AD73-4203-A5A6-E62EB28B0FE6}" type="datetimeFigureOut">
               <a:rPr lang="en-US" smtClean="0"/>
-              <a:t>12/19/2023</a:t>
+              <a:t>12/20/2023</a:t>
             </a:fld>
             <a:endParaRPr lang="en-US"/>
           </a:p>
@@ -2099,7 +2105,7 @@
           <a:p>
             <a:fld id="{B6D41BCC-AD73-4203-A5A6-E62EB28B0FE6}" type="datetimeFigureOut">
               <a:rPr lang="en-US" smtClean="0"/>
-              <a:t>12/19/2023</a:t>
+              <a:t>12/20/2023</a:t>
             </a:fld>
             <a:endParaRPr lang="en-US"/>
           </a:p>
@@ -2425,7 +2431,7 @@
           <a:p>
             <a:fld id="{B6D41BCC-AD73-4203-A5A6-E62EB28B0FE6}" type="datetimeFigureOut">
               <a:rPr lang="en-US" smtClean="0"/>
-              <a:t>12/19/2023</a:t>
+              <a:t>12/20/2023</a:t>
             </a:fld>
             <a:endParaRPr lang="en-US"/>
           </a:p>
@@ -2713,7 +2719,7 @@
           <a:p>
             <a:fld id="{B6D41BCC-AD73-4203-A5A6-E62EB28B0FE6}" type="datetimeFigureOut">
               <a:rPr lang="en-US" smtClean="0"/>
-              <a:t>12/19/2023</a:t>
+              <a:t>12/20/2023</a:t>
             </a:fld>
             <a:endParaRPr lang="en-US"/>
           </a:p>
@@ -2953,7 +2959,7 @@
             <a:fld id="{B6D41BCC-AD73-4203-A5A6-E62EB28B0FE6}" type="datetimeFigureOut">
               <a:rPr lang="en-US" smtClean="0"/>
               <a:pPr/>
-              <a:t>12/19/2023</a:t>
+              <a:t>12/20/2023</a:t>
             </a:fld>
             <a:endParaRPr lang="en-US"/>
           </a:p>
@@ -3716,7 +3722,7 @@
           <p:cNvPr id="2" name="Titel 1">
             <a:extLst>
               <a:ext uri="{FF2B5EF4-FFF2-40B4-BE49-F238E27FC236}">
-                <a16:creationId xmlns:a16="http://schemas.microsoft.com/office/drawing/2014/main" id="{5E01658F-0703-E9F0-DAF4-331F3682003E}"/>
+                <a16:creationId xmlns:a16="http://schemas.microsoft.com/office/drawing/2014/main" id="{38F96DFB-D4DE-0416-6038-40F83D28F48D}"/>
               </a:ext>
             </a:extLst>
           </p:cNvPr>
@@ -3729,8 +3735,8 @@
         </p:nvSpPr>
         <p:spPr>
           <a:xfrm>
-            <a:off x="798173" y="403798"/>
-            <a:ext cx="5678827" cy="1244765"/>
+            <a:off x="798173" y="494639"/>
+            <a:ext cx="4878727" cy="1075123"/>
           </a:xfrm>
         </p:spPr>
         <p:txBody>
@@ -3740,8 +3746,8 @@
           <a:lstStyle/>
           <a:p>
             <a:r>
-              <a:rPr lang="nl-NL" dirty="0" err="1"/>
-              <a:t>Movements</a:t>
+              <a:rPr lang="nl-NL"/>
+              <a:t>Emergency Button</a:t>
             </a:r>
             <a:endParaRPr lang="nl-BE"/>
           </a:p>
@@ -3752,7 +3758,7 @@
           <p:cNvPr id="3" name="Tijdelijke aanduiding voor inhoud 2">
             <a:extLst>
               <a:ext uri="{FF2B5EF4-FFF2-40B4-BE49-F238E27FC236}">
-                <a16:creationId xmlns:a16="http://schemas.microsoft.com/office/drawing/2014/main" id="{9635E107-CEA3-03EA-662B-A3DD585C544E}"/>
+                <a16:creationId xmlns:a16="http://schemas.microsoft.com/office/drawing/2014/main" id="{3993214B-24B8-E7A3-A8C2-991FC8F9D642}"/>
               </a:ext>
             </a:extLst>
           </p:cNvPr>
@@ -3765,8 +3771,8 @@
         </p:nvSpPr>
         <p:spPr>
           <a:xfrm>
-            <a:off x="8115300" y="685800"/>
-            <a:ext cx="3274280" cy="5508859"/>
+            <a:off x="7460530" y="685800"/>
+            <a:ext cx="3768347" cy="5508859"/>
           </a:xfrm>
         </p:spPr>
         <p:txBody>
@@ -3776,39 +3782,22 @@
           <a:lstStyle/>
           <a:p>
             <a:r>
+              <a:rPr lang="nl-NL" dirty="0"/>
+              <a:t>Stopt alles</a:t>
+            </a:r>
+          </a:p>
+          <a:p>
+            <a:r>
+              <a:rPr lang="nl-NL" dirty="0"/>
+              <a:t>Geen </a:t>
+            </a:r>
+            <a:r>
               <a:rPr lang="nl-NL" dirty="0" err="1"/>
-              <a:t>Hoist</a:t>
-            </a:r>
-            <a:endParaRPr lang="nl-NL" dirty="0"/>
-          </a:p>
-          <a:p>
-            <a:r>
-              <a:rPr lang="nl-NL" dirty="0" err="1"/>
-              <a:t>Cabin</a:t>
+              <a:t>inputs</a:t>
             </a:r>
             <a:r>
               <a:rPr lang="nl-NL" dirty="0"/>
-              <a:t> </a:t>
-            </a:r>
-          </a:p>
-          <a:p>
-            <a:r>
-              <a:rPr lang="nl-NL" dirty="0"/>
-              <a:t>Crane</a:t>
-            </a:r>
-          </a:p>
-          <a:p>
-            <a:r>
-              <a:rPr lang="nl-NL" dirty="0" err="1"/>
-              <a:t>Clockwise</a:t>
-            </a:r>
-            <a:r>
-              <a:rPr lang="nl-NL" dirty="0"/>
-              <a:t>/Anti-</a:t>
-            </a:r>
-            <a:r>
-              <a:rPr lang="nl-NL" dirty="0" err="1"/>
-              <a:t>Clockwise</a:t>
+              <a:t> meer</a:t>
             </a:r>
             <a:endParaRPr lang="nl-BE" dirty="0"/>
           </a:p>
@@ -3819,7 +3808,7 @@
           <p:cNvPr id="4" name="Afbeelding 3">
             <a:extLst>
               <a:ext uri="{FF2B5EF4-FFF2-40B4-BE49-F238E27FC236}">
-                <a16:creationId xmlns:a16="http://schemas.microsoft.com/office/drawing/2014/main" id="{591B34AF-64CC-F4C0-5A5C-1B04763E5787}"/>
+                <a16:creationId xmlns:a16="http://schemas.microsoft.com/office/drawing/2014/main" id="{9128CF13-A82D-E29E-BC1C-09E9FA15303C}"/>
               </a:ext>
             </a:extLst>
           </p:cNvPr>
@@ -3830,13 +3819,13 @@
         </p:nvPicPr>
         <p:blipFill rotWithShape="1">
           <a:blip r:embed="rId2"/>
-          <a:srcRect l="655" r="15180" b="-1"/>
+          <a:srcRect t="22783" r="3" b="21245"/>
           <a:stretch/>
         </p:blipFill>
         <p:spPr>
           <a:xfrm>
-            <a:off x="20" y="2057400"/>
-            <a:ext cx="7312859" cy="4800600"/>
+            <a:off x="1" y="2064470"/>
+            <a:ext cx="6477000" cy="3416960"/>
           </a:xfrm>
           <a:prstGeom prst="rect">
             <a:avLst/>
@@ -3846,89 +3835,7 @@
       </p:pic>
       <p:sp>
         <p:nvSpPr>
-          <p:cNvPr id="9" name="Date Placeholder 3">
-            <a:extLst>
-              <a:ext uri="{FF2B5EF4-FFF2-40B4-BE49-F238E27FC236}">
-                <a16:creationId xmlns:a16="http://schemas.microsoft.com/office/drawing/2014/main" id="{B9EB0472-F505-4D1D-A3EE-FED6D85BC981}"/>
-              </a:ext>
-            </a:extLst>
-          </p:cNvPr>
-          <p:cNvSpPr>
-            <a:spLocks noGrp="1"/>
-          </p:cNvSpPr>
-          <p:nvPr>
-            <p:ph type="dt" sz="half" idx="10"/>
-          </p:nvPr>
-        </p:nvSpPr>
-        <p:spPr>
-          <a:xfrm rot="5400000">
-            <a:off x="-1001475" y="1517536"/>
-            <a:ext cx="2801123" cy="365125"/>
-          </a:xfrm>
-        </p:spPr>
-        <p:txBody>
-          <a:bodyPr/>
-          <a:lstStyle/>
-          <a:p>
-            <a:pPr>
-              <a:spcAft>
-                <a:spcPts val="600"/>
-              </a:spcAft>
-            </a:pPr>
-            <a:fld id="{A42CE256-A16D-4C05-82F9-D2517162EDD4}" type="datetime1">
-              <a:rPr lang="en-US" smtClean="0"/>
-              <a:pPr>
-                <a:spcAft>
-                  <a:spcPts val="600"/>
-                </a:spcAft>
-              </a:pPr>
-              <a:t>12/19/2023</a:t>
-            </a:fld>
-            <a:endParaRPr lang="en-US"/>
-          </a:p>
-        </p:txBody>
-      </p:sp>
-      <p:sp>
-        <p:nvSpPr>
-          <p:cNvPr id="11" name="Footer Placeholder 4">
-            <a:extLst>
-              <a:ext uri="{FF2B5EF4-FFF2-40B4-BE49-F238E27FC236}">
-                <a16:creationId xmlns:a16="http://schemas.microsoft.com/office/drawing/2014/main" id="{C3699620-738E-4A53-8C81-FFFBBBCBBE05}"/>
-              </a:ext>
-            </a:extLst>
-          </p:cNvPr>
-          <p:cNvSpPr>
-            <a:spLocks noGrp="1"/>
-          </p:cNvSpPr>
-          <p:nvPr>
-            <p:ph type="ftr" sz="quarter" idx="11"/>
-          </p:nvPr>
-        </p:nvSpPr>
-        <p:spPr>
-          <a:xfrm rot="5400000">
-            <a:off x="10118764" y="4237870"/>
-            <a:ext cx="3344053" cy="365125"/>
-          </a:xfrm>
-        </p:spPr>
-        <p:txBody>
-          <a:bodyPr/>
-          <a:lstStyle/>
-          <a:p>
-            <a:pPr>
-              <a:spcAft>
-                <a:spcPts val="600"/>
-              </a:spcAft>
-            </a:pPr>
-            <a:r>
-              <a:rPr lang="en-US"/>
-              <a:t>Sample Footer Text</a:t>
-            </a:r>
-          </a:p>
-        </p:txBody>
-      </p:sp>
-      <p:sp>
-        <p:nvSpPr>
-          <p:cNvPr id="13" name="Slide Number Placeholder 5">
+          <p:cNvPr id="17" name="Slide Number Placeholder 5">
             <a:extLst>
               <a:ext uri="{FF2B5EF4-FFF2-40B4-BE49-F238E27FC236}">
                 <a16:creationId xmlns:a16="http://schemas.microsoft.com/office/drawing/2014/main" id="{3109FE0B-0AFC-4929-8515-CCE334CA89A5}"/>
@@ -3973,6 +3880,213 @@
     </p:spTree>
     <p:extLst>
       <p:ext uri="{BB962C8B-B14F-4D97-AF65-F5344CB8AC3E}">
+        <p14:creationId xmlns:p14="http://schemas.microsoft.com/office/powerpoint/2010/main" val="2863271092"/>
+      </p:ext>
+    </p:extLst>
+  </p:cSld>
+  <p:clrMapOvr>
+    <a:masterClrMapping/>
+  </p:clrMapOvr>
+</p:sld>
+</file>
+
+<file path=ppt/slides/slide11.xml><?xml version="1.0" encoding="utf-8"?>
+<p:sld xmlns:a="http://schemas.openxmlformats.org/drawingml/2006/main" xmlns:r="http://schemas.openxmlformats.org/officeDocument/2006/relationships" xmlns:p="http://schemas.openxmlformats.org/presentationml/2006/main">
+  <p:cSld>
+    <p:spTree>
+      <p:nvGrpSpPr>
+        <p:cNvPr id="1" name=""/>
+        <p:cNvGrpSpPr/>
+        <p:nvPr/>
+      </p:nvGrpSpPr>
+      <p:grpSpPr>
+        <a:xfrm>
+          <a:off x="0" y="0"/>
+          <a:ext cx="0" cy="0"/>
+          <a:chOff x="0" y="0"/>
+          <a:chExt cx="0" cy="0"/>
+        </a:xfrm>
+      </p:grpSpPr>
+      <p:sp>
+        <p:nvSpPr>
+          <p:cNvPr id="2" name="Titel 1">
+            <a:extLst>
+              <a:ext uri="{FF2B5EF4-FFF2-40B4-BE49-F238E27FC236}">
+                <a16:creationId xmlns:a16="http://schemas.microsoft.com/office/drawing/2014/main" id="{5E01658F-0703-E9F0-DAF4-331F3682003E}"/>
+              </a:ext>
+            </a:extLst>
+          </p:cNvPr>
+          <p:cNvSpPr>
+            <a:spLocks noGrp="1"/>
+          </p:cNvSpPr>
+          <p:nvPr>
+            <p:ph type="title"/>
+          </p:nvPr>
+        </p:nvSpPr>
+        <p:spPr>
+          <a:xfrm>
+            <a:off x="798173" y="403798"/>
+            <a:ext cx="5678827" cy="1244765"/>
+          </a:xfrm>
+        </p:spPr>
+        <p:txBody>
+          <a:bodyPr>
+            <a:normAutofit/>
+          </a:bodyPr>
+          <a:lstStyle/>
+          <a:p>
+            <a:r>
+              <a:rPr lang="nl-NL" dirty="0" err="1"/>
+              <a:t>Movements</a:t>
+            </a:r>
+            <a:endParaRPr lang="nl-BE"/>
+          </a:p>
+        </p:txBody>
+      </p:sp>
+      <p:sp>
+        <p:nvSpPr>
+          <p:cNvPr id="3" name="Tijdelijke aanduiding voor inhoud 2">
+            <a:extLst>
+              <a:ext uri="{FF2B5EF4-FFF2-40B4-BE49-F238E27FC236}">
+                <a16:creationId xmlns:a16="http://schemas.microsoft.com/office/drawing/2014/main" id="{9635E107-CEA3-03EA-662B-A3DD585C544E}"/>
+              </a:ext>
+            </a:extLst>
+          </p:cNvPr>
+          <p:cNvSpPr>
+            <a:spLocks noGrp="1"/>
+          </p:cNvSpPr>
+          <p:nvPr>
+            <p:ph idx="1"/>
+          </p:nvPr>
+        </p:nvSpPr>
+        <p:spPr>
+          <a:xfrm>
+            <a:off x="8115300" y="685800"/>
+            <a:ext cx="3274280" cy="5508859"/>
+          </a:xfrm>
+        </p:spPr>
+        <p:txBody>
+          <a:bodyPr>
+            <a:normAutofit/>
+          </a:bodyPr>
+          <a:lstStyle/>
+          <a:p>
+            <a:r>
+              <a:rPr lang="nl-NL" dirty="0" err="1"/>
+              <a:t>Hoist</a:t>
+            </a:r>
+            <a:endParaRPr lang="nl-NL" dirty="0"/>
+          </a:p>
+          <a:p>
+            <a:r>
+              <a:rPr lang="nl-NL" dirty="0" err="1"/>
+              <a:t>Cabin</a:t>
+            </a:r>
+            <a:r>
+              <a:rPr lang="nl-NL" dirty="0"/>
+              <a:t> </a:t>
+            </a:r>
+          </a:p>
+          <a:p>
+            <a:r>
+              <a:rPr lang="nl-NL" dirty="0"/>
+              <a:t>Crane</a:t>
+            </a:r>
+          </a:p>
+          <a:p>
+            <a:r>
+              <a:rPr lang="nl-NL" dirty="0" err="1"/>
+              <a:t>Clockwise</a:t>
+            </a:r>
+            <a:r>
+              <a:rPr lang="nl-NL" dirty="0"/>
+              <a:t>/Anti-</a:t>
+            </a:r>
+            <a:r>
+              <a:rPr lang="nl-NL" dirty="0" err="1"/>
+              <a:t>Clockwise</a:t>
+            </a:r>
+            <a:endParaRPr lang="nl-BE" dirty="0"/>
+          </a:p>
+        </p:txBody>
+      </p:sp>
+      <p:pic>
+        <p:nvPicPr>
+          <p:cNvPr id="4" name="Afbeelding 3">
+            <a:extLst>
+              <a:ext uri="{FF2B5EF4-FFF2-40B4-BE49-F238E27FC236}">
+                <a16:creationId xmlns:a16="http://schemas.microsoft.com/office/drawing/2014/main" id="{591B34AF-64CC-F4C0-5A5C-1B04763E5787}"/>
+              </a:ext>
+            </a:extLst>
+          </p:cNvPr>
+          <p:cNvPicPr>
+            <a:picLocks noChangeAspect="1"/>
+          </p:cNvPicPr>
+          <p:nvPr/>
+        </p:nvPicPr>
+        <p:blipFill rotWithShape="1">
+          <a:blip r:embed="rId2"/>
+          <a:srcRect l="655" r="15180" b="-1"/>
+          <a:stretch/>
+        </p:blipFill>
+        <p:spPr>
+          <a:xfrm>
+            <a:off x="20" y="2057400"/>
+            <a:ext cx="7312859" cy="4800600"/>
+          </a:xfrm>
+          <a:prstGeom prst="rect">
+            <a:avLst/>
+          </a:prstGeom>
+          <a:noFill/>
+        </p:spPr>
+      </p:pic>
+      <p:sp>
+        <p:nvSpPr>
+          <p:cNvPr id="13" name="Slide Number Placeholder 5">
+            <a:extLst>
+              <a:ext uri="{FF2B5EF4-FFF2-40B4-BE49-F238E27FC236}">
+                <a16:creationId xmlns:a16="http://schemas.microsoft.com/office/drawing/2014/main" id="{3109FE0B-0AFC-4929-8515-CCE334CA89A5}"/>
+              </a:ext>
+            </a:extLst>
+          </p:cNvPr>
+          <p:cNvSpPr>
+            <a:spLocks noGrp="1"/>
+          </p:cNvSpPr>
+          <p:nvPr>
+            <p:ph type="sldNum" sz="quarter" idx="12"/>
+          </p:nvPr>
+        </p:nvSpPr>
+        <p:spPr>
+          <a:xfrm>
+            <a:off x="11228877" y="6319138"/>
+            <a:ext cx="710647" cy="365125"/>
+          </a:xfrm>
+        </p:spPr>
+        <p:txBody>
+          <a:bodyPr/>
+          <a:lstStyle/>
+          <a:p>
+            <a:pPr>
+              <a:spcAft>
+                <a:spcPts val="600"/>
+              </a:spcAft>
+            </a:pPr>
+            <a:fld id="{C15563AB-8317-4F4A-8C10-D6F570F02A77}" type="slidenum">
+              <a:rPr lang="en-US" smtClean="0"/>
+              <a:pPr>
+                <a:spcAft>
+                  <a:spcPts val="600"/>
+                </a:spcAft>
+              </a:pPr>
+              <a:t>11</a:t>
+            </a:fld>
+            <a:endParaRPr lang="en-US"/>
+          </a:p>
+        </p:txBody>
+      </p:sp>
+    </p:spTree>
+    <p:extLst>
+      <p:ext uri="{BB962C8B-B14F-4D97-AF65-F5344CB8AC3E}">
         <p14:creationId xmlns:p14="http://schemas.microsoft.com/office/powerpoint/2010/main" val="374762218"/>
       </p:ext>
     </p:extLst>
@@ -3983,7 +4097,7 @@
 </p:sld>
 </file>
 
-<file path=ppt/slides/slide11.xml><?xml version="1.0" encoding="utf-8"?>
+<file path=ppt/slides/slide12.xml><?xml version="1.0" encoding="utf-8"?>
 <p:sld xmlns:a="http://schemas.openxmlformats.org/drawingml/2006/main" xmlns:r="http://schemas.openxmlformats.org/officeDocument/2006/relationships" xmlns:p="http://schemas.openxmlformats.org/presentationml/2006/main">
   <p:cSld>
     <p:spTree>
@@ -5001,7 +5115,7 @@
           <p:cNvPr id="2" name="Titel 1">
             <a:extLst>
               <a:ext uri="{FF2B5EF4-FFF2-40B4-BE49-F238E27FC236}">
-                <a16:creationId xmlns:a16="http://schemas.microsoft.com/office/drawing/2014/main" id="{33A9B22D-601F-2122-39C1-FB2FC2E3C30C}"/>
+                <a16:creationId xmlns:a16="http://schemas.microsoft.com/office/drawing/2014/main" id="{ABE73699-4A4E-40D3-3D89-646378E5B4BB}"/>
               </a:ext>
             </a:extLst>
           </p:cNvPr>
@@ -5012,265 +5126,450 @@
             <p:ph type="title"/>
           </p:nvPr>
         </p:nvSpPr>
-        <p:spPr>
-          <a:xfrm>
-            <a:off x="800101" y="2057400"/>
-            <a:ext cx="2630854" cy="2647462"/>
-          </a:xfrm>
-        </p:spPr>
-        <p:txBody>
-          <a:bodyPr anchor="t">
-            <a:normAutofit/>
-          </a:bodyPr>
-          <a:lstStyle/>
-          <a:p>
-            <a:r>
-              <a:rPr lang="nl-NL"/>
-              <a:t>Joystick</a:t>
-            </a:r>
-            <a:endParaRPr lang="nl-BE"/>
-          </a:p>
-        </p:txBody>
-      </p:sp>
-      <p:sp>
-        <p:nvSpPr>
-          <p:cNvPr id="5" name="Content Placeholder 2">
-            <a:extLst>
-              <a:ext uri="{FF2B5EF4-FFF2-40B4-BE49-F238E27FC236}">
-                <a16:creationId xmlns:a16="http://schemas.microsoft.com/office/drawing/2014/main" id="{7B3A07EE-553F-4982-9555-AFBF396CB712}"/>
-              </a:ext>
-            </a:extLst>
-          </p:cNvPr>
-          <p:cNvSpPr>
-            <a:spLocks noGrp="1"/>
-          </p:cNvSpPr>
-          <p:nvPr>
-            <p:ph idx="1"/>
-          </p:nvPr>
-        </p:nvSpPr>
-        <p:spPr>
-          <a:xfrm>
-            <a:off x="6477001" y="1250462"/>
-            <a:ext cx="4914899" cy="4921737"/>
-          </a:xfrm>
-        </p:spPr>
-        <p:txBody>
-          <a:bodyPr>
-            <a:normAutofit/>
-          </a:bodyPr>
-          <a:lstStyle/>
-          <a:p>
-            <a:pPr marL="0" indent="0">
-              <a:buNone/>
-            </a:pPr>
-            <a:r>
-              <a:rPr lang="en-US" dirty="0"/>
-              <a:t>Arrows </a:t>
-            </a:r>
-          </a:p>
-          <a:p>
-            <a:pPr marL="0" indent="0">
-              <a:buNone/>
-            </a:pPr>
-            <a:r>
-              <a:rPr lang="en-US" dirty="0"/>
-              <a:t>Lock and unlock</a:t>
-            </a:r>
-          </a:p>
-          <a:p>
-            <a:pPr marL="0" indent="0">
-              <a:buNone/>
-            </a:pPr>
-            <a:r>
-              <a:rPr lang="en-US" dirty="0"/>
-              <a:t>Emergency Buttons</a:t>
-            </a:r>
-          </a:p>
-          <a:p>
-            <a:pPr marL="0" indent="0">
-              <a:buNone/>
-            </a:pPr>
-            <a:r>
-              <a:rPr lang="en-US" dirty="0"/>
-              <a:t>Diagonal Movements</a:t>
-            </a:r>
-          </a:p>
-          <a:p>
-            <a:pPr marL="0" indent="0">
-              <a:buNone/>
-            </a:pPr>
-            <a:endParaRPr lang="en-US" dirty="0"/>
-          </a:p>
-        </p:txBody>
-      </p:sp>
-      <p:sp>
-        <p:nvSpPr>
-          <p:cNvPr id="6" name="Date Placeholder 7">
-            <a:extLst>
-              <a:ext uri="{FF2B5EF4-FFF2-40B4-BE49-F238E27FC236}">
-                <a16:creationId xmlns:a16="http://schemas.microsoft.com/office/drawing/2014/main" id="{22F1CF70-07E6-4B36-8284-8ADE503992A0}"/>
-              </a:ext>
-            </a:extLst>
-          </p:cNvPr>
-          <p:cNvSpPr>
-            <a:spLocks noGrp="1"/>
-          </p:cNvSpPr>
-          <p:nvPr>
-            <p:ph type="dt" sz="half" idx="10"/>
-          </p:nvPr>
-        </p:nvSpPr>
-        <p:spPr>
-          <a:xfrm rot="5400000">
-            <a:off x="-2123483" y="1428760"/>
-            <a:ext cx="2801123" cy="365125"/>
-          </a:xfrm>
-        </p:spPr>
+        <p:spPr/>
         <p:txBody>
           <a:bodyPr/>
           <a:lstStyle/>
           <a:p>
-            <a:pPr>
-              <a:spcAft>
-                <a:spcPts val="600"/>
-              </a:spcAft>
-            </a:pPr>
-            <a:endParaRPr lang="en-US" dirty="0"/>
-          </a:p>
-        </p:txBody>
-      </p:sp>
-      <p:sp>
-        <p:nvSpPr>
-          <p:cNvPr id="7" name="Footer Placeholder 8">
-            <a:extLst>
-              <a:ext uri="{FF2B5EF4-FFF2-40B4-BE49-F238E27FC236}">
-                <a16:creationId xmlns:a16="http://schemas.microsoft.com/office/drawing/2014/main" id="{24D7EDF6-6DA1-4F25-84E4-C9A5F6F9E628}"/>
-              </a:ext>
-            </a:extLst>
-          </p:cNvPr>
-          <p:cNvSpPr>
-            <a:spLocks noGrp="1"/>
-          </p:cNvSpPr>
-          <p:nvPr>
-            <p:ph type="ftr" sz="quarter" idx="11"/>
-          </p:nvPr>
-        </p:nvSpPr>
-        <p:spPr>
-          <a:xfrm rot="5400000">
-            <a:off x="11272861" y="3909396"/>
-            <a:ext cx="3344053" cy="365125"/>
-          </a:xfrm>
-        </p:spPr>
-        <p:txBody>
-          <a:bodyPr/>
-          <a:lstStyle/>
-          <a:p>
-            <a:pPr>
-              <a:spcAft>
-                <a:spcPts val="600"/>
-              </a:spcAft>
-            </a:pPr>
-            <a:r>
-              <a:rPr lang="en-US" dirty="0"/>
-              <a:t>Sample Footer Text</a:t>
-            </a:r>
-          </a:p>
-        </p:txBody>
-      </p:sp>
-      <p:sp>
-        <p:nvSpPr>
-          <p:cNvPr id="9" name="Slide Number Placeholder 9">
-            <a:extLst>
-              <a:ext uri="{FF2B5EF4-FFF2-40B4-BE49-F238E27FC236}">
-                <a16:creationId xmlns:a16="http://schemas.microsoft.com/office/drawing/2014/main" id="{00EA9EC1-B4C0-4B8E-A0C5-32E12DF93184}"/>
-              </a:ext>
-            </a:extLst>
-          </p:cNvPr>
-          <p:cNvSpPr>
-            <a:spLocks noGrp="1"/>
-          </p:cNvSpPr>
-          <p:nvPr>
-            <p:ph type="sldNum" sz="quarter" idx="12"/>
-          </p:nvPr>
-        </p:nvSpPr>
-        <p:spPr>
-          <a:xfrm>
-            <a:off x="11228877" y="6319138"/>
-            <a:ext cx="710647" cy="365125"/>
-          </a:xfrm>
-        </p:spPr>
-        <p:txBody>
-          <a:bodyPr/>
-          <a:lstStyle/>
-          <a:p>
-            <a:pPr>
-              <a:spcAft>
-                <a:spcPts val="600"/>
-              </a:spcAft>
-            </a:pPr>
-            <a:fld id="{CB43FFD5-6656-4C69-9CDD-D1B69A112D7A}" type="slidenum">
-              <a:rPr lang="en-US" smtClean="0"/>
-              <a:pPr>
-                <a:spcAft>
-                  <a:spcPts val="600"/>
-                </a:spcAft>
-              </a:pPr>
-              <a:t>6</a:t>
-            </a:fld>
-            <a:endParaRPr lang="en-US"/>
+            <a:pPr algn="ctr"/>
+            <a:r>
+              <a:rPr lang="nl-NL" dirty="0" err="1"/>
+              <a:t>Visualisation</a:t>
+            </a:r>
+            <a:r>
+              <a:rPr lang="nl-NL" dirty="0"/>
+              <a:t> Joystick</a:t>
+            </a:r>
+            <a:endParaRPr lang="nl-BE" dirty="0"/>
           </a:p>
         </p:txBody>
       </p:sp>
       <p:pic>
         <p:nvPicPr>
-          <p:cNvPr id="1026" name="Picture 2" descr="right arrow key on keyboard Cheap Sell - OFF 70%">
-            <a:extLst>
-              <a:ext uri="{FF2B5EF4-FFF2-40B4-BE49-F238E27FC236}">
-                <a16:creationId xmlns:a16="http://schemas.microsoft.com/office/drawing/2014/main" id="{48506592-463B-B47D-460A-D041F6FA4D88}"/>
+          <p:cNvPr id="4" name="Tijdelijke aanduiding voor inhoud 3">
+            <a:extLst>
+              <a:ext uri="{FF2B5EF4-FFF2-40B4-BE49-F238E27FC236}">
+                <a16:creationId xmlns:a16="http://schemas.microsoft.com/office/drawing/2014/main" id="{8D5C9198-8404-2D28-9C7B-9918E3D9398D}"/>
               </a:ext>
             </a:extLst>
           </p:cNvPr>
           <p:cNvPicPr>
-            <a:picLocks noChangeAspect="1" noChangeArrowheads="1"/>
+            <a:picLocks noGrp="1" noChangeAspect="1"/>
+          </p:cNvPicPr>
+          <p:nvPr>
+            <p:ph idx="1"/>
+          </p:nvPr>
+        </p:nvPicPr>
+        <p:blipFill>
+          <a:blip r:embed="rId2"/>
+          <a:stretch>
+            <a:fillRect/>
+          </a:stretch>
+        </p:blipFill>
+        <p:spPr>
+          <a:xfrm>
+            <a:off x="5557837" y="2476500"/>
+            <a:ext cx="952500" cy="952500"/>
+          </a:xfrm>
+          <a:prstGeom prst="rect">
+            <a:avLst/>
+          </a:prstGeom>
+        </p:spPr>
+      </p:pic>
+      <p:pic>
+        <p:nvPicPr>
+          <p:cNvPr id="5" name="Afbeelding 4">
+            <a:extLst>
+              <a:ext uri="{FF2B5EF4-FFF2-40B4-BE49-F238E27FC236}">
+                <a16:creationId xmlns:a16="http://schemas.microsoft.com/office/drawing/2014/main" id="{3E1D12A6-BA75-BE9D-0459-0FC56CE9D927}"/>
+              </a:ext>
+            </a:extLst>
+          </p:cNvPr>
+          <p:cNvPicPr>
+            <a:picLocks noChangeAspect="1"/>
           </p:cNvPicPr>
           <p:nvPr/>
         </p:nvPicPr>
         <p:blipFill>
-          <a:blip r:embed="rId2">
-            <a:extLst>
-              <a:ext uri="{28A0092B-C50C-407E-A947-70E740481C1C}">
-                <a14:useLocalDpi xmlns:a14="http://schemas.microsoft.com/office/drawing/2010/main" val="0"/>
-              </a:ext>
-            </a:extLst>
-          </a:blip>
-          <a:srcRect/>
+          <a:blip r:embed="rId3"/>
           <a:stretch>
             <a:fillRect/>
           </a:stretch>
         </p:blipFill>
-        <p:spPr bwMode="auto">
-          <a:xfrm>
-            <a:off x="1847849" y="3448538"/>
-            <a:ext cx="2752725" cy="2752725"/>
+        <p:spPr>
+          <a:xfrm>
+            <a:off x="7524750" y="2476500"/>
+            <a:ext cx="952500" cy="952500"/>
           </a:xfrm>
           <a:prstGeom prst="rect">
             <a:avLst/>
           </a:prstGeom>
-          <a:noFill/>
-          <a:extLst>
-            <a:ext uri="{909E8E84-426E-40DD-AFC4-6F175D3DCCD1}">
-              <a14:hiddenFill xmlns:a14="http://schemas.microsoft.com/office/drawing/2010/main">
-                <a:solidFill>
-                  <a:srgbClr val="FFFFFF"/>
-                </a:solidFill>
-              </a14:hiddenFill>
-            </a:ext>
-          </a:extLst>
+        </p:spPr>
+      </p:pic>
+      <p:pic>
+        <p:nvPicPr>
+          <p:cNvPr id="6" name="Afbeelding 5">
+            <a:extLst>
+              <a:ext uri="{FF2B5EF4-FFF2-40B4-BE49-F238E27FC236}">
+                <a16:creationId xmlns:a16="http://schemas.microsoft.com/office/drawing/2014/main" id="{CC46F31B-9CCF-0B3A-2621-851EE1486F2A}"/>
+              </a:ext>
+            </a:extLst>
+          </p:cNvPr>
+          <p:cNvPicPr>
+            <a:picLocks noChangeAspect="1"/>
+          </p:cNvPicPr>
+          <p:nvPr/>
+        </p:nvPicPr>
+        <p:blipFill>
+          <a:blip r:embed="rId4"/>
+          <a:stretch>
+            <a:fillRect/>
+          </a:stretch>
+        </p:blipFill>
+        <p:spPr>
+          <a:xfrm>
+            <a:off x="4076700" y="2476500"/>
+            <a:ext cx="952500" cy="952500"/>
+          </a:xfrm>
+          <a:prstGeom prst="rect">
+            <a:avLst/>
+          </a:prstGeom>
+        </p:spPr>
+      </p:pic>
+      <p:pic>
+        <p:nvPicPr>
+          <p:cNvPr id="7" name="Afbeelding 6">
+            <a:extLst>
+              <a:ext uri="{FF2B5EF4-FFF2-40B4-BE49-F238E27FC236}">
+                <a16:creationId xmlns:a16="http://schemas.microsoft.com/office/drawing/2014/main" id="{EEA65D13-AA30-4280-20E2-F0083B34D1DE}"/>
+              </a:ext>
+            </a:extLst>
+          </p:cNvPr>
+          <p:cNvPicPr>
+            <a:picLocks noChangeAspect="1"/>
+          </p:cNvPicPr>
+          <p:nvPr/>
+        </p:nvPicPr>
+        <p:blipFill>
+          <a:blip r:embed="rId5"/>
+          <a:stretch>
+            <a:fillRect/>
+          </a:stretch>
+        </p:blipFill>
+        <p:spPr>
+          <a:xfrm>
+            <a:off x="8539163" y="2476500"/>
+            <a:ext cx="952500" cy="952500"/>
+          </a:xfrm>
+          <a:prstGeom prst="rect">
+            <a:avLst/>
+          </a:prstGeom>
+        </p:spPr>
+      </p:pic>
+      <p:pic>
+        <p:nvPicPr>
+          <p:cNvPr id="8" name="Afbeelding 7">
+            <a:extLst>
+              <a:ext uri="{FF2B5EF4-FFF2-40B4-BE49-F238E27FC236}">
+                <a16:creationId xmlns:a16="http://schemas.microsoft.com/office/drawing/2014/main" id="{3379A960-39FC-CF13-A7B7-0A122218C226}"/>
+              </a:ext>
+            </a:extLst>
+          </p:cNvPr>
+          <p:cNvPicPr>
+            <a:picLocks noChangeAspect="1"/>
+          </p:cNvPicPr>
+          <p:nvPr/>
+        </p:nvPicPr>
+        <p:blipFill>
+          <a:blip r:embed="rId6"/>
+          <a:stretch>
+            <a:fillRect/>
+          </a:stretch>
+        </p:blipFill>
+        <p:spPr>
+          <a:xfrm>
+            <a:off x="5029200" y="5476875"/>
+            <a:ext cx="476250" cy="476250"/>
+          </a:xfrm>
+          <a:prstGeom prst="rect">
+            <a:avLst/>
+          </a:prstGeom>
+        </p:spPr>
+      </p:pic>
+      <p:pic>
+        <p:nvPicPr>
+          <p:cNvPr id="9" name="Afbeelding 8">
+            <a:extLst>
+              <a:ext uri="{FF2B5EF4-FFF2-40B4-BE49-F238E27FC236}">
+                <a16:creationId xmlns:a16="http://schemas.microsoft.com/office/drawing/2014/main" id="{245B0F85-91BB-22AF-4434-D73820C6F410}"/>
+              </a:ext>
+            </a:extLst>
+          </p:cNvPr>
+          <p:cNvPicPr>
+            <a:picLocks noChangeAspect="1"/>
+          </p:cNvPicPr>
+          <p:nvPr/>
+        </p:nvPicPr>
+        <p:blipFill>
+          <a:blip r:embed="rId7"/>
+          <a:stretch>
+            <a:fillRect/>
+          </a:stretch>
+        </p:blipFill>
+        <p:spPr>
+          <a:xfrm>
+            <a:off x="7824788" y="5257800"/>
+            <a:ext cx="714375" cy="714375"/>
+          </a:xfrm>
+          <a:prstGeom prst="rect">
+            <a:avLst/>
+          </a:prstGeom>
+        </p:spPr>
+      </p:pic>
+      <p:pic>
+        <p:nvPicPr>
+          <p:cNvPr id="10" name="Afbeelding 9">
+            <a:extLst>
+              <a:ext uri="{FF2B5EF4-FFF2-40B4-BE49-F238E27FC236}">
+                <a16:creationId xmlns:a16="http://schemas.microsoft.com/office/drawing/2014/main" id="{8B681680-9320-846F-87B2-3AA9AD91A01B}"/>
+              </a:ext>
+            </a:extLst>
+          </p:cNvPr>
+          <p:cNvPicPr>
+            <a:picLocks noChangeAspect="1"/>
+          </p:cNvPicPr>
+          <p:nvPr/>
+        </p:nvPicPr>
+        <p:blipFill>
+          <a:blip r:embed="rId8"/>
+          <a:stretch>
+            <a:fillRect/>
+          </a:stretch>
+        </p:blipFill>
+        <p:spPr>
+          <a:xfrm>
+            <a:off x="4605338" y="5091113"/>
+            <a:ext cx="476250" cy="476250"/>
+          </a:xfrm>
+          <a:prstGeom prst="rect">
+            <a:avLst/>
+          </a:prstGeom>
+        </p:spPr>
+      </p:pic>
+      <p:pic>
+        <p:nvPicPr>
+          <p:cNvPr id="11" name="Afbeelding 10">
+            <a:extLst>
+              <a:ext uri="{FF2B5EF4-FFF2-40B4-BE49-F238E27FC236}">
+                <a16:creationId xmlns:a16="http://schemas.microsoft.com/office/drawing/2014/main" id="{25C161F2-F451-55F1-E66D-4653DAA84403}"/>
+              </a:ext>
+            </a:extLst>
+          </p:cNvPr>
+          <p:cNvPicPr>
+            <a:picLocks noChangeAspect="1"/>
+          </p:cNvPicPr>
+          <p:nvPr/>
+        </p:nvPicPr>
+        <p:blipFill>
+          <a:blip r:embed="rId9"/>
+          <a:stretch>
+            <a:fillRect/>
+          </a:stretch>
+        </p:blipFill>
+        <p:spPr>
+          <a:xfrm>
+            <a:off x="5453062" y="5076826"/>
+            <a:ext cx="476250" cy="476250"/>
+          </a:xfrm>
+          <a:prstGeom prst="rect">
+            <a:avLst/>
+          </a:prstGeom>
+        </p:spPr>
+      </p:pic>
+      <p:pic>
+        <p:nvPicPr>
+          <p:cNvPr id="12" name="Afbeelding 11">
+            <a:extLst>
+              <a:ext uri="{FF2B5EF4-FFF2-40B4-BE49-F238E27FC236}">
+                <a16:creationId xmlns:a16="http://schemas.microsoft.com/office/drawing/2014/main" id="{FCAB5A0C-DC6E-6DBF-A644-3EAC9C3B8683}"/>
+              </a:ext>
+            </a:extLst>
+          </p:cNvPr>
+          <p:cNvPicPr>
+            <a:picLocks noChangeAspect="1"/>
+          </p:cNvPicPr>
+          <p:nvPr/>
+        </p:nvPicPr>
+        <p:blipFill>
+          <a:blip r:embed="rId10"/>
+          <a:stretch>
+            <a:fillRect/>
+          </a:stretch>
+        </p:blipFill>
+        <p:spPr>
+          <a:xfrm>
+            <a:off x="5029200" y="4686300"/>
+            <a:ext cx="476250" cy="476250"/>
+          </a:xfrm>
+          <a:prstGeom prst="rect">
+            <a:avLst/>
+          </a:prstGeom>
+        </p:spPr>
+      </p:pic>
+      <p:pic>
+        <p:nvPicPr>
+          <p:cNvPr id="13" name="Afbeelding 12">
+            <a:extLst>
+              <a:ext uri="{FF2B5EF4-FFF2-40B4-BE49-F238E27FC236}">
+                <a16:creationId xmlns:a16="http://schemas.microsoft.com/office/drawing/2014/main" id="{6BD53167-C39B-B0A8-DA1B-2880FE23B322}"/>
+              </a:ext>
+            </a:extLst>
+          </p:cNvPr>
+          <p:cNvPicPr>
+            <a:picLocks noChangeAspect="1"/>
+          </p:cNvPicPr>
+          <p:nvPr/>
+        </p:nvPicPr>
+        <p:blipFill>
+          <a:blip r:embed="rId11"/>
+          <a:stretch>
+            <a:fillRect/>
+          </a:stretch>
+        </p:blipFill>
+        <p:spPr>
+          <a:xfrm>
+            <a:off x="7896226" y="4386263"/>
+            <a:ext cx="642937" cy="642937"/>
+          </a:xfrm>
+          <a:prstGeom prst="rect">
+            <a:avLst/>
+          </a:prstGeom>
+        </p:spPr>
+      </p:pic>
+      <p:pic>
+        <p:nvPicPr>
+          <p:cNvPr id="14" name="Afbeelding 13">
+            <a:extLst>
+              <a:ext uri="{FF2B5EF4-FFF2-40B4-BE49-F238E27FC236}">
+                <a16:creationId xmlns:a16="http://schemas.microsoft.com/office/drawing/2014/main" id="{53D05DEA-CD4E-E1CF-0F9E-583EE934FEA1}"/>
+              </a:ext>
+            </a:extLst>
+          </p:cNvPr>
+          <p:cNvPicPr>
+            <a:picLocks noChangeAspect="1"/>
+          </p:cNvPicPr>
+          <p:nvPr/>
+        </p:nvPicPr>
+        <p:blipFill>
+          <a:blip r:embed="rId12"/>
+          <a:stretch>
+            <a:fillRect/>
+          </a:stretch>
+        </p:blipFill>
+        <p:spPr>
+          <a:xfrm>
+            <a:off x="4657725" y="5495925"/>
+            <a:ext cx="476250" cy="476250"/>
+          </a:xfrm>
+          <a:prstGeom prst="rect">
+            <a:avLst/>
+          </a:prstGeom>
+        </p:spPr>
+      </p:pic>
+      <p:pic>
+        <p:nvPicPr>
+          <p:cNvPr id="15" name="Afbeelding 14">
+            <a:extLst>
+              <a:ext uri="{FF2B5EF4-FFF2-40B4-BE49-F238E27FC236}">
+                <a16:creationId xmlns:a16="http://schemas.microsoft.com/office/drawing/2014/main" id="{4817578B-4524-5A27-E682-DE8E73B73360}"/>
+              </a:ext>
+            </a:extLst>
+          </p:cNvPr>
+          <p:cNvPicPr>
+            <a:picLocks noChangeAspect="1"/>
+          </p:cNvPicPr>
+          <p:nvPr/>
+        </p:nvPicPr>
+        <p:blipFill>
+          <a:blip r:embed="rId13"/>
+          <a:stretch>
+            <a:fillRect/>
+          </a:stretch>
+        </p:blipFill>
+        <p:spPr>
+          <a:xfrm>
+            <a:off x="5400675" y="5457825"/>
+            <a:ext cx="476250" cy="476250"/>
+          </a:xfrm>
+          <a:prstGeom prst="rect">
+            <a:avLst/>
+          </a:prstGeom>
+        </p:spPr>
+      </p:pic>
+      <p:pic>
+        <p:nvPicPr>
+          <p:cNvPr id="16" name="Afbeelding 15">
+            <a:extLst>
+              <a:ext uri="{FF2B5EF4-FFF2-40B4-BE49-F238E27FC236}">
+                <a16:creationId xmlns:a16="http://schemas.microsoft.com/office/drawing/2014/main" id="{1C3C639D-DDB6-4031-5190-C11BD614A4AF}"/>
+              </a:ext>
+            </a:extLst>
+          </p:cNvPr>
+          <p:cNvPicPr>
+            <a:picLocks noChangeAspect="1"/>
+          </p:cNvPicPr>
+          <p:nvPr/>
+        </p:nvPicPr>
+        <p:blipFill>
+          <a:blip r:embed="rId14"/>
+          <a:stretch>
+            <a:fillRect/>
+          </a:stretch>
+        </p:blipFill>
+        <p:spPr>
+          <a:xfrm>
+            <a:off x="4657725" y="4726781"/>
+            <a:ext cx="476250" cy="476250"/>
+          </a:xfrm>
+          <a:prstGeom prst="rect">
+            <a:avLst/>
+          </a:prstGeom>
+        </p:spPr>
+      </p:pic>
+      <p:pic>
+        <p:nvPicPr>
+          <p:cNvPr id="17" name="Afbeelding 16">
+            <a:extLst>
+              <a:ext uri="{FF2B5EF4-FFF2-40B4-BE49-F238E27FC236}">
+                <a16:creationId xmlns:a16="http://schemas.microsoft.com/office/drawing/2014/main" id="{A2E98415-D9F6-B28F-44F5-CEB68B1B3DE8}"/>
+              </a:ext>
+            </a:extLst>
+          </p:cNvPr>
+          <p:cNvPicPr>
+            <a:picLocks noChangeAspect="1"/>
+          </p:cNvPicPr>
+          <p:nvPr/>
+        </p:nvPicPr>
+        <p:blipFill>
+          <a:blip r:embed="rId15"/>
+          <a:stretch>
+            <a:fillRect/>
+          </a:stretch>
+        </p:blipFill>
+        <p:spPr>
+          <a:xfrm>
+            <a:off x="5410199" y="4726781"/>
+            <a:ext cx="476250" cy="476250"/>
+          </a:xfrm>
+          <a:prstGeom prst="rect">
+            <a:avLst/>
+          </a:prstGeom>
         </p:spPr>
       </p:pic>
     </p:spTree>
     <p:extLst>
       <p:ext uri="{BB962C8B-B14F-4D97-AF65-F5344CB8AC3E}">
-        <p14:creationId xmlns:p14="http://schemas.microsoft.com/office/powerpoint/2010/main" val="2686963164"/>
+        <p14:creationId xmlns:p14="http://schemas.microsoft.com/office/powerpoint/2010/main" val="387434802"/>
       </p:ext>
     </p:extLst>
   </p:cSld>
@@ -5302,7 +5601,7 @@
           <p:cNvPr id="2" name="Titel 1">
             <a:extLst>
               <a:ext uri="{FF2B5EF4-FFF2-40B4-BE49-F238E27FC236}">
-                <a16:creationId xmlns:a16="http://schemas.microsoft.com/office/drawing/2014/main" id="{E2EA6ABA-6881-BA1A-0970-2004CD52EF54}"/>
+                <a16:creationId xmlns:a16="http://schemas.microsoft.com/office/drawing/2014/main" id="{33A9B22D-601F-2122-39C1-FB2FC2E3C30C}"/>
               </a:ext>
             </a:extLst>
           </p:cNvPr>
@@ -5315,30 +5614,30 @@
         </p:nvSpPr>
         <p:spPr>
           <a:xfrm>
-            <a:off x="1638300" y="1254827"/>
-            <a:ext cx="4838700" cy="1370609"/>
-          </a:xfrm>
-        </p:spPr>
-        <p:txBody>
-          <a:bodyPr anchor="ctr">
+            <a:off x="800101" y="2057400"/>
+            <a:ext cx="2630854" cy="2647462"/>
+          </a:xfrm>
+        </p:spPr>
+        <p:txBody>
+          <a:bodyPr anchor="t">
             <a:normAutofit/>
           </a:bodyPr>
           <a:lstStyle/>
           <a:p>
             <a:r>
-              <a:rPr lang="nl-NL" dirty="0"/>
-              <a:t>Motorlogica</a:t>
-            </a:r>
-            <a:endParaRPr lang="nl-BE" dirty="0"/>
-          </a:p>
-        </p:txBody>
-      </p:sp>
-      <p:sp>
-        <p:nvSpPr>
-          <p:cNvPr id="3" name="Tijdelijke aanduiding voor inhoud 2">
-            <a:extLst>
-              <a:ext uri="{FF2B5EF4-FFF2-40B4-BE49-F238E27FC236}">
-                <a16:creationId xmlns:a16="http://schemas.microsoft.com/office/drawing/2014/main" id="{58028013-BE82-6502-8884-789DE7CA3E66}"/>
+              <a:rPr lang="nl-NL"/>
+              <a:t>Joystick</a:t>
+            </a:r>
+            <a:endParaRPr lang="nl-BE"/>
+          </a:p>
+        </p:txBody>
+      </p:sp>
+      <p:sp>
+        <p:nvSpPr>
+          <p:cNvPr id="5" name="Content Placeholder 2">
+            <a:extLst>
+              <a:ext uri="{FF2B5EF4-FFF2-40B4-BE49-F238E27FC236}">
+                <a16:creationId xmlns:a16="http://schemas.microsoft.com/office/drawing/2014/main" id="{7B3A07EE-553F-4982-9555-AFBF396CB712}"/>
               </a:ext>
             </a:extLst>
           </p:cNvPr>
@@ -5351,8 +5650,8 @@
         </p:nvSpPr>
         <p:spPr>
           <a:xfrm>
-            <a:off x="1638299" y="2772362"/>
-            <a:ext cx="4838701" cy="2801123"/>
+            <a:off x="6477001" y="1250462"/>
+            <a:ext cx="4914899" cy="4921737"/>
           </a:xfrm>
         </p:spPr>
         <p:txBody>
@@ -5361,78 +5660,69 @@
           </a:bodyPr>
           <a:lstStyle/>
           <a:p>
-            <a:r>
-              <a:rPr lang="nl-NL" dirty="0" err="1"/>
-              <a:t>Hoist</a:t>
-            </a:r>
-            <a:endParaRPr lang="nl-NL" dirty="0"/>
-          </a:p>
-          <a:p>
-            <a:r>
-              <a:rPr lang="nl-NL" dirty="0"/>
-              <a:t>Crane</a:t>
-            </a:r>
-          </a:p>
-          <a:p>
-            <a:r>
-              <a:rPr lang="nl-NL" dirty="0" err="1"/>
-              <a:t>Cabin</a:t>
-            </a:r>
-            <a:endParaRPr lang="nl-BE" dirty="0"/>
-          </a:p>
-        </p:txBody>
-      </p:sp>
-      <p:pic>
-        <p:nvPicPr>
-          <p:cNvPr id="4" name="Afbeelding 3">
-            <a:extLst>
-              <a:ext uri="{FF2B5EF4-FFF2-40B4-BE49-F238E27FC236}">
-                <a16:creationId xmlns:a16="http://schemas.microsoft.com/office/drawing/2014/main" id="{6A75BFA0-CFD1-7FF8-97B2-E6CE6E712B12}"/>
-              </a:ext>
-            </a:extLst>
-          </p:cNvPr>
-          <p:cNvPicPr>
-            <a:picLocks noChangeAspect="1"/>
-          </p:cNvPicPr>
-          <p:nvPr/>
-        </p:nvPicPr>
-        <p:blipFill>
-          <a:blip r:embed="rId2"/>
-          <a:stretch>
-            <a:fillRect/>
-          </a:stretch>
-        </p:blipFill>
-        <p:spPr>
-          <a:xfrm>
-            <a:off x="7315201" y="1752457"/>
-            <a:ext cx="4076700" cy="3353085"/>
-          </a:xfrm>
-          <a:prstGeom prst="rect">
-            <a:avLst/>
-          </a:prstGeom>
-          <a:noFill/>
-        </p:spPr>
-      </p:pic>
-      <p:sp>
-        <p:nvSpPr>
-          <p:cNvPr id="13" name="Slide Number Placeholder 5">
-            <a:extLst>
-              <a:ext uri="{FF2B5EF4-FFF2-40B4-BE49-F238E27FC236}">
-                <a16:creationId xmlns:a16="http://schemas.microsoft.com/office/drawing/2014/main" id="{8433DBE3-DD23-42C3-8133-949FBC7A1BAD}"/>
-              </a:ext>
-            </a:extLst>
-          </p:cNvPr>
-          <p:cNvSpPr>
-            <a:spLocks noGrp="1"/>
-          </p:cNvSpPr>
-          <p:nvPr>
-            <p:ph type="sldNum" sz="quarter" idx="12"/>
-          </p:nvPr>
-        </p:nvSpPr>
-        <p:spPr>
-          <a:xfrm>
-            <a:off x="11228877" y="6319138"/>
-            <a:ext cx="710647" cy="365125"/>
+            <a:pPr marL="0" indent="0">
+              <a:buNone/>
+            </a:pPr>
+            <a:r>
+              <a:rPr lang="en-US" dirty="0"/>
+              <a:t>Arrows </a:t>
+            </a:r>
+          </a:p>
+          <a:p>
+            <a:pPr marL="0" indent="0">
+              <a:buNone/>
+            </a:pPr>
+            <a:r>
+              <a:rPr lang="en-US" dirty="0"/>
+              <a:t>Lock and unlock</a:t>
+            </a:r>
+          </a:p>
+          <a:p>
+            <a:pPr marL="0" indent="0">
+              <a:buNone/>
+            </a:pPr>
+            <a:r>
+              <a:rPr lang="en-US" dirty="0"/>
+              <a:t>Emergency Buttons</a:t>
+            </a:r>
+          </a:p>
+          <a:p>
+            <a:pPr marL="0" indent="0">
+              <a:buNone/>
+            </a:pPr>
+            <a:r>
+              <a:rPr lang="en-US" dirty="0"/>
+              <a:t>Diagonal Movements</a:t>
+            </a:r>
+          </a:p>
+          <a:p>
+            <a:pPr marL="0" indent="0">
+              <a:buNone/>
+            </a:pPr>
+            <a:endParaRPr lang="en-US" dirty="0"/>
+          </a:p>
+        </p:txBody>
+      </p:sp>
+      <p:sp>
+        <p:nvSpPr>
+          <p:cNvPr id="6" name="Date Placeholder 7">
+            <a:extLst>
+              <a:ext uri="{FF2B5EF4-FFF2-40B4-BE49-F238E27FC236}">
+                <a16:creationId xmlns:a16="http://schemas.microsoft.com/office/drawing/2014/main" id="{22F1CF70-07E6-4B36-8284-8ADE503992A0}"/>
+              </a:ext>
+            </a:extLst>
+          </p:cNvPr>
+          <p:cNvSpPr>
+            <a:spLocks noGrp="1"/>
+          </p:cNvSpPr>
+          <p:nvPr>
+            <p:ph type="dt" sz="half" idx="10"/>
+          </p:nvPr>
+        </p:nvSpPr>
+        <p:spPr>
+          <a:xfrm rot="5400000">
+            <a:off x="-2123483" y="1428760"/>
+            <a:ext cx="2801123" cy="365125"/>
           </a:xfrm>
         </p:spPr>
         <p:txBody>
@@ -5444,7 +5734,80 @@
                 <a:spcPts val="600"/>
               </a:spcAft>
             </a:pPr>
-            <a:fld id="{C15563AB-8317-4F4A-8C10-D6F570F02A77}" type="slidenum">
+            <a:endParaRPr lang="en-US" dirty="0"/>
+          </a:p>
+        </p:txBody>
+      </p:sp>
+      <p:sp>
+        <p:nvSpPr>
+          <p:cNvPr id="7" name="Footer Placeholder 8">
+            <a:extLst>
+              <a:ext uri="{FF2B5EF4-FFF2-40B4-BE49-F238E27FC236}">
+                <a16:creationId xmlns:a16="http://schemas.microsoft.com/office/drawing/2014/main" id="{24D7EDF6-6DA1-4F25-84E4-C9A5F6F9E628}"/>
+              </a:ext>
+            </a:extLst>
+          </p:cNvPr>
+          <p:cNvSpPr>
+            <a:spLocks noGrp="1"/>
+          </p:cNvSpPr>
+          <p:nvPr>
+            <p:ph type="ftr" sz="quarter" idx="11"/>
+          </p:nvPr>
+        </p:nvSpPr>
+        <p:spPr>
+          <a:xfrm rot="5400000">
+            <a:off x="11272861" y="3909396"/>
+            <a:ext cx="3344053" cy="365125"/>
+          </a:xfrm>
+        </p:spPr>
+        <p:txBody>
+          <a:bodyPr/>
+          <a:lstStyle/>
+          <a:p>
+            <a:pPr>
+              <a:spcAft>
+                <a:spcPts val="600"/>
+              </a:spcAft>
+            </a:pPr>
+            <a:r>
+              <a:rPr lang="en-US" dirty="0"/>
+              <a:t>Sample Footer Text</a:t>
+            </a:r>
+          </a:p>
+        </p:txBody>
+      </p:sp>
+      <p:sp>
+        <p:nvSpPr>
+          <p:cNvPr id="9" name="Slide Number Placeholder 9">
+            <a:extLst>
+              <a:ext uri="{FF2B5EF4-FFF2-40B4-BE49-F238E27FC236}">
+                <a16:creationId xmlns:a16="http://schemas.microsoft.com/office/drawing/2014/main" id="{00EA9EC1-B4C0-4B8E-A0C5-32E12DF93184}"/>
+              </a:ext>
+            </a:extLst>
+          </p:cNvPr>
+          <p:cNvSpPr>
+            <a:spLocks noGrp="1"/>
+          </p:cNvSpPr>
+          <p:nvPr>
+            <p:ph type="sldNum" sz="quarter" idx="12"/>
+          </p:nvPr>
+        </p:nvSpPr>
+        <p:spPr>
+          <a:xfrm>
+            <a:off x="11228877" y="6319138"/>
+            <a:ext cx="710647" cy="365125"/>
+          </a:xfrm>
+        </p:spPr>
+        <p:txBody>
+          <a:bodyPr/>
+          <a:lstStyle/>
+          <a:p>
+            <a:pPr>
+              <a:spcAft>
+                <a:spcPts val="600"/>
+              </a:spcAft>
+            </a:pPr>
+            <a:fld id="{CB43FFD5-6656-4C69-9CDD-D1B69A112D7A}" type="slidenum">
               <a:rPr lang="en-US" smtClean="0"/>
               <a:pPr>
                 <a:spcAft>
@@ -5457,10 +5820,57 @@
           </a:p>
         </p:txBody>
       </p:sp>
+      <p:pic>
+        <p:nvPicPr>
+          <p:cNvPr id="1026" name="Picture 2" descr="right arrow key on keyboard Cheap Sell - OFF 70%">
+            <a:extLst>
+              <a:ext uri="{FF2B5EF4-FFF2-40B4-BE49-F238E27FC236}">
+                <a16:creationId xmlns:a16="http://schemas.microsoft.com/office/drawing/2014/main" id="{48506592-463B-B47D-460A-D041F6FA4D88}"/>
+              </a:ext>
+            </a:extLst>
+          </p:cNvPr>
+          <p:cNvPicPr>
+            <a:picLocks noChangeAspect="1" noChangeArrowheads="1"/>
+          </p:cNvPicPr>
+          <p:nvPr/>
+        </p:nvPicPr>
+        <p:blipFill>
+          <a:blip r:embed="rId2">
+            <a:extLst>
+              <a:ext uri="{28A0092B-C50C-407E-A947-70E740481C1C}">
+                <a14:useLocalDpi xmlns:a14="http://schemas.microsoft.com/office/drawing/2010/main" val="0"/>
+              </a:ext>
+            </a:extLst>
+          </a:blip>
+          <a:srcRect/>
+          <a:stretch>
+            <a:fillRect/>
+          </a:stretch>
+        </p:blipFill>
+        <p:spPr bwMode="auto">
+          <a:xfrm>
+            <a:off x="1847849" y="3448538"/>
+            <a:ext cx="2752725" cy="2752725"/>
+          </a:xfrm>
+          <a:prstGeom prst="rect">
+            <a:avLst/>
+          </a:prstGeom>
+          <a:noFill/>
+          <a:extLst>
+            <a:ext uri="{909E8E84-426E-40DD-AFC4-6F175D3DCCD1}">
+              <a14:hiddenFill xmlns:a14="http://schemas.microsoft.com/office/drawing/2010/main">
+                <a:solidFill>
+                  <a:srgbClr val="FFFFFF"/>
+                </a:solidFill>
+              </a14:hiddenFill>
+            </a:ext>
+          </a:extLst>
+        </p:spPr>
+      </p:pic>
     </p:spTree>
     <p:extLst>
       <p:ext uri="{BB962C8B-B14F-4D97-AF65-F5344CB8AC3E}">
-        <p14:creationId xmlns:p14="http://schemas.microsoft.com/office/powerpoint/2010/main" val="419340908"/>
+        <p14:creationId xmlns:p14="http://schemas.microsoft.com/office/powerpoint/2010/main" val="2686963164"/>
       </p:ext>
     </p:extLst>
   </p:cSld>
@@ -5492,7 +5902,7 @@
           <p:cNvPr id="2" name="Titel 1">
             <a:extLst>
               <a:ext uri="{FF2B5EF4-FFF2-40B4-BE49-F238E27FC236}">
-                <a16:creationId xmlns:a16="http://schemas.microsoft.com/office/drawing/2014/main" id="{88B7B06A-AC5D-043E-1C58-5CEDBC402D3C}"/>
+                <a16:creationId xmlns:a16="http://schemas.microsoft.com/office/drawing/2014/main" id="{E2EA6ABA-6881-BA1A-0970-2004CD52EF54}"/>
               </a:ext>
             </a:extLst>
           </p:cNvPr>
@@ -5505,8 +5915,44 @@
         </p:nvSpPr>
         <p:spPr>
           <a:xfrm>
-            <a:off x="1562352" y="618408"/>
-            <a:ext cx="8991349" cy="1506381"/>
+            <a:off x="1638300" y="1254827"/>
+            <a:ext cx="4838700" cy="1370609"/>
+          </a:xfrm>
+        </p:spPr>
+        <p:txBody>
+          <a:bodyPr anchor="ctr">
+            <a:normAutofit/>
+          </a:bodyPr>
+          <a:lstStyle/>
+          <a:p>
+            <a:r>
+              <a:rPr lang="nl-NL" dirty="0"/>
+              <a:t>Motorlogica</a:t>
+            </a:r>
+            <a:endParaRPr lang="nl-BE" dirty="0"/>
+          </a:p>
+        </p:txBody>
+      </p:sp>
+      <p:sp>
+        <p:nvSpPr>
+          <p:cNvPr id="3" name="Tijdelijke aanduiding voor inhoud 2">
+            <a:extLst>
+              <a:ext uri="{FF2B5EF4-FFF2-40B4-BE49-F238E27FC236}">
+                <a16:creationId xmlns:a16="http://schemas.microsoft.com/office/drawing/2014/main" id="{58028013-BE82-6502-8884-789DE7CA3E66}"/>
+              </a:ext>
+            </a:extLst>
+          </p:cNvPr>
+          <p:cNvSpPr>
+            <a:spLocks noGrp="1"/>
+          </p:cNvSpPr>
+          <p:nvPr>
+            <p:ph idx="1"/>
+          </p:nvPr>
+        </p:nvSpPr>
+        <p:spPr>
+          <a:xfrm>
+            <a:off x="1638299" y="2772362"/>
+            <a:ext cx="4838701" cy="2801123"/>
           </a:xfrm>
         </p:spPr>
         <p:txBody>
@@ -5516,123 +5962,63 @@
           <a:lstStyle/>
           <a:p>
             <a:r>
-              <a:rPr lang="nl-NL" sz="4400"/>
-              <a:t>Spreader</a:t>
-            </a:r>
-            <a:endParaRPr lang="nl-BE" sz="4400"/>
-          </a:p>
-        </p:txBody>
-      </p:sp>
-      <p:sp>
-        <p:nvSpPr>
-          <p:cNvPr id="3079" name="Content Placeholder 2">
-            <a:extLst>
-              <a:ext uri="{FF2B5EF4-FFF2-40B4-BE49-F238E27FC236}">
-                <a16:creationId xmlns:a16="http://schemas.microsoft.com/office/drawing/2014/main" id="{9C13023D-524E-4C48-A34E-6B03DC409466}"/>
-              </a:ext>
-            </a:extLst>
-          </p:cNvPr>
-          <p:cNvSpPr>
-            <a:spLocks noGrp="1"/>
-          </p:cNvSpPr>
-          <p:nvPr>
-            <p:ph idx="1"/>
-          </p:nvPr>
-        </p:nvSpPr>
-        <p:spPr>
-          <a:xfrm>
-            <a:off x="2438401" y="3429000"/>
-            <a:ext cx="4876800" cy="2847702"/>
-          </a:xfrm>
-        </p:spPr>
-        <p:txBody>
-          <a:bodyPr>
-            <a:normAutofit/>
-          </a:bodyPr>
-          <a:lstStyle/>
-          <a:p>
-            <a:pPr marL="0" indent="0">
-              <a:buNone/>
-            </a:pPr>
-            <a:r>
-              <a:rPr lang="en-US" dirty="0"/>
-              <a:t>Lock/unlock</a:t>
-            </a:r>
-          </a:p>
-          <a:p>
-            <a:pPr marL="0" indent="0">
-              <a:buNone/>
-            </a:pPr>
-            <a:r>
-              <a:rPr lang="en-US" dirty="0"/>
-              <a:t>Sensor</a:t>
-            </a:r>
-          </a:p>
-          <a:p>
-            <a:pPr marL="0" indent="0">
-              <a:buNone/>
-            </a:pPr>
-            <a:r>
-              <a:rPr lang="en-US" dirty="0"/>
-              <a:t>Areas</a:t>
-            </a:r>
+              <a:rPr lang="nl-NL" dirty="0" err="1"/>
+              <a:t>Hoist</a:t>
+            </a:r>
+            <a:endParaRPr lang="nl-NL" dirty="0"/>
+          </a:p>
+          <a:p>
+            <a:r>
+              <a:rPr lang="nl-NL" dirty="0"/>
+              <a:t>Crane</a:t>
+            </a:r>
+          </a:p>
+          <a:p>
+            <a:r>
+              <a:rPr lang="nl-NL" dirty="0" err="1"/>
+              <a:t>Cabin</a:t>
+            </a:r>
+            <a:endParaRPr lang="nl-BE" dirty="0"/>
           </a:p>
         </p:txBody>
       </p:sp>
       <p:pic>
         <p:nvPicPr>
-          <p:cNvPr id="3074" name="Picture 2">
-            <a:extLst>
-              <a:ext uri="{FF2B5EF4-FFF2-40B4-BE49-F238E27FC236}">
-                <a16:creationId xmlns:a16="http://schemas.microsoft.com/office/drawing/2014/main" id="{3EBCC39E-A43D-2836-7692-D0ADB975469F}"/>
+          <p:cNvPr id="4" name="Afbeelding 3">
+            <a:extLst>
+              <a:ext uri="{FF2B5EF4-FFF2-40B4-BE49-F238E27FC236}">
+                <a16:creationId xmlns:a16="http://schemas.microsoft.com/office/drawing/2014/main" id="{6A75BFA0-CFD1-7FF8-97B2-E6CE6E712B12}"/>
               </a:ext>
             </a:extLst>
           </p:cNvPr>
           <p:cNvPicPr>
-            <a:picLocks noGrp="1" noChangeAspect="1" noChangeArrowheads="1"/>
+            <a:picLocks noChangeAspect="1"/>
           </p:cNvPicPr>
-          <p:nvPr>
-            <p:ph idx="1"/>
-          </p:nvPr>
+          <p:nvPr/>
         </p:nvPicPr>
         <p:blipFill>
-          <a:blip r:embed="rId2">
-            <a:extLst>
-              <a:ext uri="{28A0092B-C50C-407E-A947-70E740481C1C}">
-                <a14:useLocalDpi xmlns:a14="http://schemas.microsoft.com/office/drawing/2010/main" val="0"/>
-              </a:ext>
-            </a:extLst>
-          </a:blip>
+          <a:blip r:embed="rId2"/>
           <a:stretch>
             <a:fillRect/>
           </a:stretch>
         </p:blipFill>
-        <p:spPr bwMode="auto">
-          <a:xfrm>
-            <a:off x="8115302" y="3891987"/>
-            <a:ext cx="3274280" cy="1817225"/>
+        <p:spPr>
+          <a:xfrm>
+            <a:off x="7315201" y="1752457"/>
+            <a:ext cx="4076700" cy="3353085"/>
           </a:xfrm>
           <a:prstGeom prst="rect">
             <a:avLst/>
           </a:prstGeom>
           <a:noFill/>
-          <a:extLst>
-            <a:ext uri="{909E8E84-426E-40DD-AFC4-6F175D3DCCD1}">
-              <a14:hiddenFill xmlns:a14="http://schemas.microsoft.com/office/drawing/2010/main">
-                <a:solidFill>
-                  <a:srgbClr val="FFFFFF"/>
-                </a:solidFill>
-              </a14:hiddenFill>
-            </a:ext>
-          </a:extLst>
         </p:spPr>
       </p:pic>
       <p:sp>
         <p:nvSpPr>
-          <p:cNvPr id="3085" name="Slide Number Placeholder 5">
-            <a:extLst>
-              <a:ext uri="{FF2B5EF4-FFF2-40B4-BE49-F238E27FC236}">
-                <a16:creationId xmlns:a16="http://schemas.microsoft.com/office/drawing/2014/main" id="{92A046F9-F581-4A07-AE81-92CEA9D123CB}"/>
+          <p:cNvPr id="13" name="Slide Number Placeholder 5">
+            <a:extLst>
+              <a:ext uri="{FF2B5EF4-FFF2-40B4-BE49-F238E27FC236}">
+                <a16:creationId xmlns:a16="http://schemas.microsoft.com/office/drawing/2014/main" id="{8433DBE3-DD23-42C3-8133-949FBC7A1BAD}"/>
               </a:ext>
             </a:extLst>
           </p:cNvPr>
@@ -5650,9 +6036,7 @@
           </a:xfrm>
         </p:spPr>
         <p:txBody>
-          <a:bodyPr>
-            <a:normAutofit/>
-          </a:bodyPr>
+          <a:bodyPr/>
           <a:lstStyle/>
           <a:p>
             <a:pPr>
@@ -5660,7 +6044,7 @@
                 <a:spcPts val="600"/>
               </a:spcAft>
             </a:pPr>
-            <a:fld id="{5598AC62-48F6-42A1-B6C2-913025A97D58}" type="slidenum">
+            <a:fld id="{C15563AB-8317-4F4A-8C10-D6F570F02A77}" type="slidenum">
               <a:rPr lang="en-US" smtClean="0"/>
               <a:pPr>
                 <a:spcAft>
@@ -5676,7 +6060,7 @@
     </p:spTree>
     <p:extLst>
       <p:ext uri="{BB962C8B-B14F-4D97-AF65-F5344CB8AC3E}">
-        <p14:creationId xmlns:p14="http://schemas.microsoft.com/office/powerpoint/2010/main" val="1937159985"/>
+        <p14:creationId xmlns:p14="http://schemas.microsoft.com/office/powerpoint/2010/main" val="419340908"/>
       </p:ext>
     </p:extLst>
   </p:cSld>
@@ -5708,7 +6092,7 @@
           <p:cNvPr id="2" name="Titel 1">
             <a:extLst>
               <a:ext uri="{FF2B5EF4-FFF2-40B4-BE49-F238E27FC236}">
-                <a16:creationId xmlns:a16="http://schemas.microsoft.com/office/drawing/2014/main" id="{38F96DFB-D4DE-0416-6038-40F83D28F48D}"/>
+                <a16:creationId xmlns:a16="http://schemas.microsoft.com/office/drawing/2014/main" id="{88B7B06A-AC5D-043E-1C58-5CEDBC402D3C}"/>
               </a:ext>
             </a:extLst>
           </p:cNvPr>
@@ -5721,8 +6105,8 @@
         </p:nvSpPr>
         <p:spPr>
           <a:xfrm>
-            <a:off x="798173" y="494639"/>
-            <a:ext cx="4878727" cy="1075123"/>
+            <a:off x="1562352" y="618408"/>
+            <a:ext cx="8991349" cy="1506381"/>
           </a:xfrm>
         </p:spPr>
         <p:txBody>
@@ -5732,19 +6116,19 @@
           <a:lstStyle/>
           <a:p>
             <a:r>
-              <a:rPr lang="nl-NL"/>
-              <a:t>Emergency Button</a:t>
-            </a:r>
-            <a:endParaRPr lang="nl-BE"/>
-          </a:p>
-        </p:txBody>
-      </p:sp>
-      <p:sp>
-        <p:nvSpPr>
-          <p:cNvPr id="3" name="Tijdelijke aanduiding voor inhoud 2">
-            <a:extLst>
-              <a:ext uri="{FF2B5EF4-FFF2-40B4-BE49-F238E27FC236}">
-                <a16:creationId xmlns:a16="http://schemas.microsoft.com/office/drawing/2014/main" id="{3993214B-24B8-E7A3-A8C2-991FC8F9D642}"/>
+              <a:rPr lang="nl-NL" sz="4400"/>
+              <a:t>Spreader</a:t>
+            </a:r>
+            <a:endParaRPr lang="nl-BE" sz="4400"/>
+          </a:p>
+        </p:txBody>
+      </p:sp>
+      <p:sp>
+        <p:nvSpPr>
+          <p:cNvPr id="3079" name="Content Placeholder 2">
+            <a:extLst>
+              <a:ext uri="{FF2B5EF4-FFF2-40B4-BE49-F238E27FC236}">
+                <a16:creationId xmlns:a16="http://schemas.microsoft.com/office/drawing/2014/main" id="{9C13023D-524E-4C48-A34E-6B03DC409466}"/>
               </a:ext>
             </a:extLst>
           </p:cNvPr>
@@ -5757,8 +6141,8 @@
         </p:nvSpPr>
         <p:spPr>
           <a:xfrm>
-            <a:off x="7460530" y="685800"/>
-            <a:ext cx="3768347" cy="5508859"/>
+            <a:off x="2438401" y="3429000"/>
+            <a:ext cx="4876800" cy="2847702"/>
           </a:xfrm>
         </p:spPr>
         <p:txBody>
@@ -5767,64 +6151,88 @@
           </a:bodyPr>
           <a:lstStyle/>
           <a:p>
-            <a:r>
-              <a:rPr lang="nl-NL" dirty="0"/>
-              <a:t>Stopt alles</a:t>
-            </a:r>
-          </a:p>
-          <a:p>
-            <a:r>
-              <a:rPr lang="nl-NL" dirty="0"/>
-              <a:t>Geen </a:t>
-            </a:r>
-            <a:r>
-              <a:rPr lang="nl-NL" dirty="0" err="1"/>
-              <a:t>inputs</a:t>
-            </a:r>
-            <a:r>
-              <a:rPr lang="nl-NL" dirty="0"/>
-              <a:t> meer</a:t>
-            </a:r>
-            <a:endParaRPr lang="nl-BE" dirty="0"/>
+            <a:pPr marL="0" indent="0">
+              <a:buNone/>
+            </a:pPr>
+            <a:r>
+              <a:rPr lang="en-US" dirty="0"/>
+              <a:t>Lock/unlock</a:t>
+            </a:r>
+          </a:p>
+          <a:p>
+            <a:pPr marL="0" indent="0">
+              <a:buNone/>
+            </a:pPr>
+            <a:r>
+              <a:rPr lang="en-US" dirty="0"/>
+              <a:t>Sensor</a:t>
+            </a:r>
+          </a:p>
+          <a:p>
+            <a:pPr marL="0" indent="0">
+              <a:buNone/>
+            </a:pPr>
+            <a:r>
+              <a:rPr lang="en-US" dirty="0"/>
+              <a:t>Areas</a:t>
+            </a:r>
           </a:p>
         </p:txBody>
       </p:sp>
       <p:pic>
         <p:nvPicPr>
-          <p:cNvPr id="4" name="Afbeelding 3">
-            <a:extLst>
-              <a:ext uri="{FF2B5EF4-FFF2-40B4-BE49-F238E27FC236}">
-                <a16:creationId xmlns:a16="http://schemas.microsoft.com/office/drawing/2014/main" id="{9128CF13-A82D-E29E-BC1C-09E9FA15303C}"/>
+          <p:cNvPr id="3074" name="Picture 2">
+            <a:extLst>
+              <a:ext uri="{FF2B5EF4-FFF2-40B4-BE49-F238E27FC236}">
+                <a16:creationId xmlns:a16="http://schemas.microsoft.com/office/drawing/2014/main" id="{3EBCC39E-A43D-2836-7692-D0ADB975469F}"/>
               </a:ext>
             </a:extLst>
           </p:cNvPr>
           <p:cNvPicPr>
-            <a:picLocks noChangeAspect="1"/>
+            <a:picLocks noGrp="1" noChangeAspect="1" noChangeArrowheads="1"/>
           </p:cNvPicPr>
-          <p:nvPr/>
+          <p:nvPr>
+            <p:ph idx="1"/>
+          </p:nvPr>
         </p:nvPicPr>
-        <p:blipFill rotWithShape="1">
-          <a:blip r:embed="rId2"/>
-          <a:srcRect t="22783" r="3" b="21245"/>
-          <a:stretch/>
+        <p:blipFill>
+          <a:blip r:embed="rId2">
+            <a:extLst>
+              <a:ext uri="{28A0092B-C50C-407E-A947-70E740481C1C}">
+                <a14:useLocalDpi xmlns:a14="http://schemas.microsoft.com/office/drawing/2010/main" val="0"/>
+              </a:ext>
+            </a:extLst>
+          </a:blip>
+          <a:stretch>
+            <a:fillRect/>
+          </a:stretch>
         </p:blipFill>
-        <p:spPr>
-          <a:xfrm>
-            <a:off x="1" y="2064470"/>
-            <a:ext cx="6477000" cy="3416960"/>
+        <p:spPr bwMode="auto">
+          <a:xfrm>
+            <a:off x="8115302" y="3891987"/>
+            <a:ext cx="3274280" cy="1817225"/>
           </a:xfrm>
           <a:prstGeom prst="rect">
             <a:avLst/>
           </a:prstGeom>
           <a:noFill/>
+          <a:extLst>
+            <a:ext uri="{909E8E84-426E-40DD-AFC4-6F175D3DCCD1}">
+              <a14:hiddenFill xmlns:a14="http://schemas.microsoft.com/office/drawing/2010/main">
+                <a:solidFill>
+                  <a:srgbClr val="FFFFFF"/>
+                </a:solidFill>
+              </a14:hiddenFill>
+            </a:ext>
+          </a:extLst>
         </p:spPr>
       </p:pic>
       <p:sp>
         <p:nvSpPr>
-          <p:cNvPr id="17" name="Slide Number Placeholder 5">
-            <a:extLst>
-              <a:ext uri="{FF2B5EF4-FFF2-40B4-BE49-F238E27FC236}">
-                <a16:creationId xmlns:a16="http://schemas.microsoft.com/office/drawing/2014/main" id="{3109FE0B-0AFC-4929-8515-CCE334CA89A5}"/>
+          <p:cNvPr id="3085" name="Slide Number Placeholder 5">
+            <a:extLst>
+              <a:ext uri="{FF2B5EF4-FFF2-40B4-BE49-F238E27FC236}">
+                <a16:creationId xmlns:a16="http://schemas.microsoft.com/office/drawing/2014/main" id="{92A046F9-F581-4A07-AE81-92CEA9D123CB}"/>
               </a:ext>
             </a:extLst>
           </p:cNvPr>
@@ -5842,7 +6250,9 @@
           </a:xfrm>
         </p:spPr>
         <p:txBody>
-          <a:bodyPr/>
+          <a:bodyPr>
+            <a:normAutofit/>
+          </a:bodyPr>
           <a:lstStyle/>
           <a:p>
             <a:pPr>
@@ -5850,7 +6260,7 @@
                 <a:spcPts val="600"/>
               </a:spcAft>
             </a:pPr>
-            <a:fld id="{C15563AB-8317-4F4A-8C10-D6F570F02A77}" type="slidenum">
+            <a:fld id="{5598AC62-48F6-42A1-B6C2-913025A97D58}" type="slidenum">
               <a:rPr lang="en-US" smtClean="0"/>
               <a:pPr>
                 <a:spcAft>
@@ -5866,7 +6276,7 @@
     </p:spTree>
     <p:extLst>
       <p:ext uri="{BB962C8B-B14F-4D97-AF65-F5344CB8AC3E}">
-        <p14:creationId xmlns:p14="http://schemas.microsoft.com/office/powerpoint/2010/main" val="2863271092"/>
+        <p14:creationId xmlns:p14="http://schemas.microsoft.com/office/powerpoint/2010/main" val="1937159985"/>
       </p:ext>
     </p:extLst>
   </p:cSld>
@@ -6075,4 +6485,222 @@
     </a:ext>
   </a:extLst>
 </a:theme>
+</file>
+
+<file path=customXml/item1.xml><?xml version="1.0" encoding="utf-8"?>
+<ct:contentTypeSchema xmlns:ct="http://schemas.microsoft.com/office/2006/metadata/contentType" xmlns:ma="http://schemas.microsoft.com/office/2006/metadata/properties/metaAttributes" ct:_="" ma:_="" ma:contentTypeName="Document" ma:contentTypeID="0x010100A498BD47F4DFE840B1C1A6942276D186" ma:contentTypeVersion="12" ma:contentTypeDescription="Een nieuw document maken." ma:contentTypeScope="" ma:versionID="f925f01f69bef10166099d988e526900">
+  <xsd:schema xmlns:xsd="http://www.w3.org/2001/XMLSchema" xmlns:xs="http://www.w3.org/2001/XMLSchema" xmlns:p="http://schemas.microsoft.com/office/2006/metadata/properties" xmlns:ns2="40c73ae2-60fe-452d-8907-24ca961ddeee" xmlns:ns3="011db718-4352-45ce-a9ed-5f25d2028e58" targetNamespace="http://schemas.microsoft.com/office/2006/metadata/properties" ma:root="true" ma:fieldsID="5adff9cc1f91228aeba9e7d8e65f8970" ns2:_="" ns3:_="">
+    <xsd:import namespace="40c73ae2-60fe-452d-8907-24ca961ddeee"/>
+    <xsd:import namespace="011db718-4352-45ce-a9ed-5f25d2028e58"/>
+    <xsd:element name="properties">
+      <xsd:complexType>
+        <xsd:sequence>
+          <xsd:element name="documentManagement">
+            <xsd:complexType>
+              <xsd:all>
+                <xsd:element ref="ns2:MediaServiceMetadata" minOccurs="0"/>
+                <xsd:element ref="ns2:MediaServiceFastMetadata" minOccurs="0"/>
+                <xsd:element ref="ns2:MediaServiceObjectDetectorVersions" minOccurs="0"/>
+                <xsd:element ref="ns2:MediaServiceDateTaken" minOccurs="0"/>
+                <xsd:element ref="ns2:MediaServiceGenerationTime" minOccurs="0"/>
+                <xsd:element ref="ns2:MediaServiceEventHashCode" minOccurs="0"/>
+                <xsd:element ref="ns2:MediaLengthInSeconds" minOccurs="0"/>
+                <xsd:element ref="ns2:lcf76f155ced4ddcb4097134ff3c332f" minOccurs="0"/>
+                <xsd:element ref="ns3:TaxCatchAll" minOccurs="0"/>
+                <xsd:element ref="ns2:MediaServiceOCR" minOccurs="0"/>
+                <xsd:element ref="ns2:MediaServiceLocation" minOccurs="0"/>
+              </xsd:all>
+            </xsd:complexType>
+          </xsd:element>
+        </xsd:sequence>
+      </xsd:complexType>
+    </xsd:element>
+  </xsd:schema>
+  <xsd:schema xmlns:xsd="http://www.w3.org/2001/XMLSchema" xmlns:xs="http://www.w3.org/2001/XMLSchema" xmlns:dms="http://schemas.microsoft.com/office/2006/documentManagement/types" xmlns:pc="http://schemas.microsoft.com/office/infopath/2007/PartnerControls" targetNamespace="40c73ae2-60fe-452d-8907-24ca961ddeee" elementFormDefault="qualified">
+    <xsd:import namespace="http://schemas.microsoft.com/office/2006/documentManagement/types"/>
+    <xsd:import namespace="http://schemas.microsoft.com/office/infopath/2007/PartnerControls"/>
+    <xsd:element name="MediaServiceMetadata" ma:index="8" nillable="true" ma:displayName="MediaServiceMetadata" ma:hidden="true" ma:internalName="MediaServiceMetadata" ma:readOnly="true">
+      <xsd:simpleType>
+        <xsd:restriction base="dms:Note"/>
+      </xsd:simpleType>
+    </xsd:element>
+    <xsd:element name="MediaServiceFastMetadata" ma:index="9" nillable="true" ma:displayName="MediaServiceFastMetadata" ma:hidden="true" ma:internalName="MediaServiceFastMetadata" ma:readOnly="true">
+      <xsd:simpleType>
+        <xsd:restriction base="dms:Note"/>
+      </xsd:simpleType>
+    </xsd:element>
+    <xsd:element name="MediaServiceObjectDetectorVersions" ma:index="10" nillable="true" ma:displayName="MediaServiceObjectDetectorVersions" ma:hidden="true" ma:indexed="true" ma:internalName="MediaServiceObjectDetectorVersions" ma:readOnly="true">
+      <xsd:simpleType>
+        <xsd:restriction base="dms:Text"/>
+      </xsd:simpleType>
+    </xsd:element>
+    <xsd:element name="MediaServiceDateTaken" ma:index="11" nillable="true" ma:displayName="MediaServiceDateTaken" ma:hidden="true" ma:indexed="true" ma:internalName="MediaServiceDateTaken" ma:readOnly="true">
+      <xsd:simpleType>
+        <xsd:restriction base="dms:Text"/>
+      </xsd:simpleType>
+    </xsd:element>
+    <xsd:element name="MediaServiceGenerationTime" ma:index="12" nillable="true" ma:displayName="MediaServiceGenerationTime" ma:hidden="true" ma:internalName="MediaServiceGenerationTime" ma:readOnly="true">
+      <xsd:simpleType>
+        <xsd:restriction base="dms:Text"/>
+      </xsd:simpleType>
+    </xsd:element>
+    <xsd:element name="MediaServiceEventHashCode" ma:index="13" nillable="true" ma:displayName="MediaServiceEventHashCode" ma:hidden="true" ma:internalName="MediaServiceEventHashCode" ma:readOnly="true">
+      <xsd:simpleType>
+        <xsd:restriction base="dms:Text"/>
+      </xsd:simpleType>
+    </xsd:element>
+    <xsd:element name="MediaLengthInSeconds" ma:index="14" nillable="true" ma:displayName="MediaLengthInSeconds" ma:hidden="true" ma:internalName="MediaLengthInSeconds" ma:readOnly="true">
+      <xsd:simpleType>
+        <xsd:restriction base="dms:Unknown"/>
+      </xsd:simpleType>
+    </xsd:element>
+    <xsd:element name="lcf76f155ced4ddcb4097134ff3c332f" ma:index="16" nillable="true" ma:taxonomy="true" ma:internalName="lcf76f155ced4ddcb4097134ff3c332f" ma:taxonomyFieldName="MediaServiceImageTags" ma:displayName="Afbeeldingtags" ma:readOnly="false" ma:fieldId="{5cf76f15-5ced-4ddc-b409-7134ff3c332f}" ma:taxonomyMulti="true" ma:sspId="d5477cde-f098-4d32-ba13-c78038edde39" ma:termSetId="09814cd3-568e-fe90-9814-8d621ff8fb84" ma:anchorId="fba54fb3-c3e1-fe81-a776-ca4b69148c4d" ma:open="true" ma:isKeyword="false">
+      <xsd:complexType>
+        <xsd:sequence>
+          <xsd:element ref="pc:Terms" minOccurs="0" maxOccurs="1"/>
+        </xsd:sequence>
+      </xsd:complexType>
+    </xsd:element>
+    <xsd:element name="MediaServiceOCR" ma:index="18" nillable="true" ma:displayName="Extracted Text" ma:internalName="MediaServiceOCR" ma:readOnly="true">
+      <xsd:simpleType>
+        <xsd:restriction base="dms:Note">
+          <xsd:maxLength value="255"/>
+        </xsd:restriction>
+      </xsd:simpleType>
+    </xsd:element>
+    <xsd:element name="MediaServiceLocation" ma:index="19" nillable="true" ma:displayName="Location" ma:indexed="true" ma:internalName="MediaServiceLocation" ma:readOnly="true">
+      <xsd:simpleType>
+        <xsd:restriction base="dms:Text"/>
+      </xsd:simpleType>
+    </xsd:element>
+  </xsd:schema>
+  <xsd:schema xmlns:xsd="http://www.w3.org/2001/XMLSchema" xmlns:xs="http://www.w3.org/2001/XMLSchema" xmlns:dms="http://schemas.microsoft.com/office/2006/documentManagement/types" xmlns:pc="http://schemas.microsoft.com/office/infopath/2007/PartnerControls" targetNamespace="011db718-4352-45ce-a9ed-5f25d2028e58" elementFormDefault="qualified">
+    <xsd:import namespace="http://schemas.microsoft.com/office/2006/documentManagement/types"/>
+    <xsd:import namespace="http://schemas.microsoft.com/office/infopath/2007/PartnerControls"/>
+    <xsd:element name="TaxCatchAll" ma:index="17" nillable="true" ma:displayName="Taxonomy Catch All Column" ma:hidden="true" ma:list="{11473d11-ae26-47b2-b50b-5dea7d6ca6b8}" ma:internalName="TaxCatchAll" ma:showField="CatchAllData" ma:web="011db718-4352-45ce-a9ed-5f25d2028e58">
+      <xsd:complexType>
+        <xsd:complexContent>
+          <xsd:extension base="dms:MultiChoiceLookup">
+            <xsd:sequence>
+              <xsd:element name="Value" type="dms:Lookup" maxOccurs="unbounded" minOccurs="0" nillable="true"/>
+            </xsd:sequence>
+          </xsd:extension>
+        </xsd:complexContent>
+      </xsd:complexType>
+    </xsd:element>
+  </xsd:schema>
+  <xsd:schema xmlns="http://schemas.openxmlformats.org/package/2006/metadata/core-properties" xmlns:xsd="http://www.w3.org/2001/XMLSchema" xmlns:xsi="http://www.w3.org/2001/XMLSchema-instance" xmlns:dc="http://purl.org/dc/elements/1.1/" xmlns:dcterms="http://purl.org/dc/terms/" xmlns:odoc="http://schemas.microsoft.com/internal/obd" targetNamespace="http://schemas.openxmlformats.org/package/2006/metadata/core-properties" elementFormDefault="qualified" attributeFormDefault="unqualified" blockDefault="#all">
+    <xsd:import namespace="http://purl.org/dc/elements/1.1/" schemaLocation="http://dublincore.org/schemas/xmls/qdc/2003/04/02/dc.xsd"/>
+    <xsd:import namespace="http://purl.org/dc/terms/" schemaLocation="http://dublincore.org/schemas/xmls/qdc/2003/04/02/dcterms.xsd"/>
+    <xsd:element name="coreProperties" type="CT_coreProperties"/>
+    <xsd:complexType name="CT_coreProperties">
+      <xsd:all>
+        <xsd:element ref="dc:creator" minOccurs="0" maxOccurs="1"/>
+        <xsd:element ref="dcterms:created" minOccurs="0" maxOccurs="1"/>
+        <xsd:element ref="dc:identifier" minOccurs="0" maxOccurs="1"/>
+        <xsd:element name="contentType" minOccurs="0" maxOccurs="1" type="xsd:string" ma:index="0" ma:displayName="Inhoudstype"/>
+        <xsd:element ref="dc:title" minOccurs="0" maxOccurs="1" ma:index="4" ma:displayName="Titel"/>
+        <xsd:element ref="dc:subject" minOccurs="0" maxOccurs="1"/>
+        <xsd:element ref="dc:description" minOccurs="0" maxOccurs="1"/>
+        <xsd:element name="keywords" minOccurs="0" maxOccurs="1" type="xsd:string"/>
+        <xsd:element ref="dc:language" minOccurs="0" maxOccurs="1"/>
+        <xsd:element name="category" minOccurs="0" maxOccurs="1" type="xsd:string"/>
+        <xsd:element name="version" minOccurs="0" maxOccurs="1" type="xsd:string"/>
+        <xsd:element name="revision" minOccurs="0" maxOccurs="1" type="xsd:string">
+          <xsd:annotation>
+            <xsd:documentation>
+                        This value indicates the number of saves or revisions. The application is responsible for updating this value after each revision.
+                    </xsd:documentation>
+          </xsd:annotation>
+        </xsd:element>
+        <xsd:element name="lastModifiedBy" minOccurs="0" maxOccurs="1" type="xsd:string"/>
+        <xsd:element ref="dcterms:modified" minOccurs="0" maxOccurs="1"/>
+        <xsd:element name="contentStatus" minOccurs="0" maxOccurs="1" type="xsd:string"/>
+      </xsd:all>
+    </xsd:complexType>
+  </xsd:schema>
+  <xs:schema xmlns:pc="http://schemas.microsoft.com/office/infopath/2007/PartnerControls" xmlns:xs="http://www.w3.org/2001/XMLSchema" targetNamespace="http://schemas.microsoft.com/office/infopath/2007/PartnerControls" elementFormDefault="qualified" attributeFormDefault="unqualified">
+    <xs:element name="Person">
+      <xs:complexType>
+        <xs:sequence>
+          <xs:element ref="pc:DisplayName" minOccurs="0"/>
+          <xs:element ref="pc:AccountId" minOccurs="0"/>
+          <xs:element ref="pc:AccountType" minOccurs="0"/>
+        </xs:sequence>
+      </xs:complexType>
+    </xs:element>
+    <xs:element name="DisplayName" type="xs:string"/>
+    <xs:element name="AccountId" type="xs:string"/>
+    <xs:element name="AccountType" type="xs:string"/>
+    <xs:element name="BDCAssociatedEntity">
+      <xs:complexType>
+        <xs:sequence>
+          <xs:element ref="pc:BDCEntity" minOccurs="0" maxOccurs="unbounded"/>
+        </xs:sequence>
+        <xs:attribute ref="pc:EntityNamespace"/>
+        <xs:attribute ref="pc:EntityName"/>
+        <xs:attribute ref="pc:SystemInstanceName"/>
+        <xs:attribute ref="pc:AssociationName"/>
+      </xs:complexType>
+    </xs:element>
+    <xs:attribute name="EntityNamespace" type="xs:string"/>
+    <xs:attribute name="EntityName" type="xs:string"/>
+    <xs:attribute name="SystemInstanceName" type="xs:string"/>
+    <xs:attribute name="AssociationName" type="xs:string"/>
+    <xs:element name="BDCEntity">
+      <xs:complexType>
+        <xs:sequence>
+          <xs:element ref="pc:EntityDisplayName" minOccurs="0"/>
+          <xs:element ref="pc:EntityInstanceReference" minOccurs="0"/>
+          <xs:element ref="pc:EntityId1" minOccurs="0"/>
+          <xs:element ref="pc:EntityId2" minOccurs="0"/>
+          <xs:element ref="pc:EntityId3" minOccurs="0"/>
+          <xs:element ref="pc:EntityId4" minOccurs="0"/>
+          <xs:element ref="pc:EntityId5" minOccurs="0"/>
+        </xs:sequence>
+      </xs:complexType>
+    </xs:element>
+    <xs:element name="EntityDisplayName" type="xs:string"/>
+    <xs:element name="EntityInstanceReference" type="xs:string"/>
+    <xs:element name="EntityId1" type="xs:string"/>
+    <xs:element name="EntityId2" type="xs:string"/>
+    <xs:element name="EntityId3" type="xs:string"/>
+    <xs:element name="EntityId4" type="xs:string"/>
+    <xs:element name="EntityId5" type="xs:string"/>
+    <xs:element name="Terms">
+      <xs:complexType>
+        <xs:sequence>
+          <xs:element ref="pc:TermInfo" minOccurs="0" maxOccurs="unbounded"/>
+        </xs:sequence>
+      </xs:complexType>
+    </xs:element>
+    <xs:element name="TermInfo">
+      <xs:complexType>
+        <xs:sequence>
+          <xs:element ref="pc:TermName" minOccurs="0"/>
+          <xs:element ref="pc:TermId" minOccurs="0"/>
+        </xs:sequence>
+      </xs:complexType>
+    </xs:element>
+    <xs:element name="TermName" type="xs:string"/>
+    <xs:element name="TermId" type="xs:string"/>
+  </xs:schema>
+</ct:contentTypeSchema>
+</file>
+
+<file path=customXml/item2.xml><?xml version="1.0" encoding="utf-8"?>
+<?mso-contentType ?>
+<FormTemplates xmlns="http://schemas.microsoft.com/sharepoint/v3/contenttype/forms">
+  <Display>DocumentLibraryForm</Display>
+  <Edit>DocumentLibraryForm</Edit>
+  <New>DocumentLibraryForm</New>
+</FormTemplates>
+</file>
+
+<file path=customXml/itemProps1.xml><?xml version="1.0" encoding="utf-8"?>
+<ds:datastoreItem xmlns:ds="http://schemas.openxmlformats.org/officeDocument/2006/customXml" ds:itemID="{EFB13697-3B6C-42D7-8609-3E6314BFD09A}"/>
+</file>
+
+<file path=customXml/itemProps2.xml><?xml version="1.0" encoding="utf-8"?>
+<ds:datastoreItem xmlns:ds="http://schemas.openxmlformats.org/officeDocument/2006/customXml" ds:itemID="{CAAAFFE0-B356-45C8-AB8A-3F65CF30584F}"/>
 </file>